--- a/docs/screens/sreens.pptx
+++ b/docs/screens/sreens.pptx
@@ -256,7 +256,7 @@
           <a:p>
             <a:fld id="{3F95A33F-0BE4-4972-96C4-351B17A890F5}" type="datetimeFigureOut">
               <a:rPr lang="en-US" smtClean="0"/>
-              <a:t>1/16/2019</a:t>
+              <a:t>1/28/2019</a:t>
             </a:fld>
             <a:endParaRPr lang="en-US"/>
           </a:p>
@@ -424,7 +424,7 @@
           <a:p>
             <a:fld id="{3F95A33F-0BE4-4972-96C4-351B17A890F5}" type="datetimeFigureOut">
               <a:rPr lang="en-US" smtClean="0"/>
-              <a:t>1/16/2019</a:t>
+              <a:t>1/28/2019</a:t>
             </a:fld>
             <a:endParaRPr lang="en-US"/>
           </a:p>
@@ -602,7 +602,7 @@
           <a:p>
             <a:fld id="{3F95A33F-0BE4-4972-96C4-351B17A890F5}" type="datetimeFigureOut">
               <a:rPr lang="en-US" smtClean="0"/>
-              <a:t>1/16/2019</a:t>
+              <a:t>1/28/2019</a:t>
             </a:fld>
             <a:endParaRPr lang="en-US"/>
           </a:p>
@@ -770,7 +770,7 @@
           <a:p>
             <a:fld id="{3F95A33F-0BE4-4972-96C4-351B17A890F5}" type="datetimeFigureOut">
               <a:rPr lang="en-US" smtClean="0"/>
-              <a:t>1/16/2019</a:t>
+              <a:t>1/28/2019</a:t>
             </a:fld>
             <a:endParaRPr lang="en-US"/>
           </a:p>
@@ -1015,7 +1015,7 @@
           <a:p>
             <a:fld id="{3F95A33F-0BE4-4972-96C4-351B17A890F5}" type="datetimeFigureOut">
               <a:rPr lang="en-US" smtClean="0"/>
-              <a:t>1/16/2019</a:t>
+              <a:t>1/28/2019</a:t>
             </a:fld>
             <a:endParaRPr lang="en-US"/>
           </a:p>
@@ -1244,7 +1244,7 @@
           <a:p>
             <a:fld id="{3F95A33F-0BE4-4972-96C4-351B17A890F5}" type="datetimeFigureOut">
               <a:rPr lang="en-US" smtClean="0"/>
-              <a:t>1/16/2019</a:t>
+              <a:t>1/28/2019</a:t>
             </a:fld>
             <a:endParaRPr lang="en-US"/>
           </a:p>
@@ -1608,7 +1608,7 @@
           <a:p>
             <a:fld id="{3F95A33F-0BE4-4972-96C4-351B17A890F5}" type="datetimeFigureOut">
               <a:rPr lang="en-US" smtClean="0"/>
-              <a:t>1/16/2019</a:t>
+              <a:t>1/28/2019</a:t>
             </a:fld>
             <a:endParaRPr lang="en-US"/>
           </a:p>
@@ -1725,7 +1725,7 @@
           <a:p>
             <a:fld id="{3F95A33F-0BE4-4972-96C4-351B17A890F5}" type="datetimeFigureOut">
               <a:rPr lang="en-US" smtClean="0"/>
-              <a:t>1/16/2019</a:t>
+              <a:t>1/28/2019</a:t>
             </a:fld>
             <a:endParaRPr lang="en-US"/>
           </a:p>
@@ -1820,7 +1820,7 @@
           <a:p>
             <a:fld id="{3F95A33F-0BE4-4972-96C4-351B17A890F5}" type="datetimeFigureOut">
               <a:rPr lang="en-US" smtClean="0"/>
-              <a:t>1/16/2019</a:t>
+              <a:t>1/28/2019</a:t>
             </a:fld>
             <a:endParaRPr lang="en-US"/>
           </a:p>
@@ -2095,7 +2095,7 @@
           <a:p>
             <a:fld id="{3F95A33F-0BE4-4972-96C4-351B17A890F5}" type="datetimeFigureOut">
               <a:rPr lang="en-US" smtClean="0"/>
-              <a:t>1/16/2019</a:t>
+              <a:t>1/28/2019</a:t>
             </a:fld>
             <a:endParaRPr lang="en-US"/>
           </a:p>
@@ -2347,7 +2347,7 @@
           <a:p>
             <a:fld id="{3F95A33F-0BE4-4972-96C4-351B17A890F5}" type="datetimeFigureOut">
               <a:rPr lang="en-US" smtClean="0"/>
-              <a:t>1/16/2019</a:t>
+              <a:t>1/28/2019</a:t>
             </a:fld>
             <a:endParaRPr lang="en-US"/>
           </a:p>
@@ -2558,7 +2558,7 @@
           <a:p>
             <a:fld id="{3F95A33F-0BE4-4972-96C4-351B17A890F5}" type="datetimeFigureOut">
               <a:rPr lang="en-US" smtClean="0"/>
-              <a:t>1/16/2019</a:t>
+              <a:t>1/28/2019</a:t>
             </a:fld>
             <a:endParaRPr lang="en-US"/>
           </a:p>
@@ -3600,7 +3600,7 @@
             <a:pPr algn="ctr"/>
             <a:r>
               <a:rPr lang="en-US"/>
-              <a:t>Client ID</a:t>
+              <a:t>Member ID</a:t>
             </a:r>
           </a:p>
         </p:txBody>
@@ -3701,19 +3701,19 @@
       </p:sp>
       <p:sp>
         <p:nvSpPr>
-          <p:cNvPr id="11" name="Rectangle 10">
-            <a:extLst>
-              <a:ext uri="{FF2B5EF4-FFF2-40B4-BE49-F238E27FC236}">
-                <a16:creationId xmlns:a16="http://schemas.microsoft.com/office/drawing/2014/main" id="{C7FF2387-9D28-4BCA-9A73-D405644BC1C1}"/>
-              </a:ext>
-            </a:extLst>
-          </p:cNvPr>
-          <p:cNvSpPr/>
-          <p:nvPr/>
-        </p:nvSpPr>
-        <p:spPr>
-          <a:xfrm>
-            <a:off x="5631870" y="1200724"/>
+          <p:cNvPr id="12" name="Rectangle 11">
+            <a:extLst>
+              <a:ext uri="{FF2B5EF4-FFF2-40B4-BE49-F238E27FC236}">
+                <a16:creationId xmlns:a16="http://schemas.microsoft.com/office/drawing/2014/main" id="{3CCD1C28-5DF6-44EB-920C-EC57152A0D8B}"/>
+              </a:ext>
+            </a:extLst>
+          </p:cNvPr>
+          <p:cNvSpPr/>
+          <p:nvPr/>
+        </p:nvSpPr>
+        <p:spPr>
+          <a:xfrm>
+            <a:off x="5631869" y="1765298"/>
             <a:ext cx="1708727" cy="411017"/>
           </a:xfrm>
           <a:prstGeom prst="rect">
@@ -3741,26 +3741,26 @@
             <a:pPr algn="ctr"/>
             <a:r>
               <a:rPr lang="en-US"/>
-              <a:t>Agency</a:t>
-            </a:r>
-          </a:p>
-        </p:txBody>
-      </p:sp>
-      <p:sp>
-        <p:nvSpPr>
-          <p:cNvPr id="12" name="Rectangle 11">
-            <a:extLst>
-              <a:ext uri="{FF2B5EF4-FFF2-40B4-BE49-F238E27FC236}">
-                <a16:creationId xmlns:a16="http://schemas.microsoft.com/office/drawing/2014/main" id="{3CCD1C28-5DF6-44EB-920C-EC57152A0D8B}"/>
-              </a:ext>
-            </a:extLst>
-          </p:cNvPr>
-          <p:cNvSpPr/>
-          <p:nvPr/>
-        </p:nvSpPr>
-        <p:spPr>
-          <a:xfrm>
-            <a:off x="5631869" y="1765298"/>
+              <a:t>Last name</a:t>
+            </a:r>
+          </a:p>
+        </p:txBody>
+      </p:sp>
+      <p:sp>
+        <p:nvSpPr>
+          <p:cNvPr id="13" name="Rectangle 12">
+            <a:extLst>
+              <a:ext uri="{FF2B5EF4-FFF2-40B4-BE49-F238E27FC236}">
+                <a16:creationId xmlns:a16="http://schemas.microsoft.com/office/drawing/2014/main" id="{868D2B36-8FE5-448A-BDC8-06396EB03A3F}"/>
+              </a:ext>
+            </a:extLst>
+          </p:cNvPr>
+          <p:cNvSpPr/>
+          <p:nvPr/>
+        </p:nvSpPr>
+        <p:spPr>
+          <a:xfrm>
+            <a:off x="5631868" y="2332178"/>
             <a:ext cx="1708727" cy="411017"/>
           </a:xfrm>
           <a:prstGeom prst="rect">
@@ -3788,26 +3788,26 @@
             <a:pPr algn="ctr"/>
             <a:r>
               <a:rPr lang="en-US"/>
-              <a:t>Last name</a:t>
-            </a:r>
-          </a:p>
-        </p:txBody>
-      </p:sp>
-      <p:sp>
-        <p:nvSpPr>
-          <p:cNvPr id="13" name="Rectangle 12">
-            <a:extLst>
-              <a:ext uri="{FF2B5EF4-FFF2-40B4-BE49-F238E27FC236}">
-                <a16:creationId xmlns:a16="http://schemas.microsoft.com/office/drawing/2014/main" id="{868D2B36-8FE5-448A-BDC8-06396EB03A3F}"/>
-              </a:ext>
-            </a:extLst>
-          </p:cNvPr>
-          <p:cNvSpPr/>
-          <p:nvPr/>
-        </p:nvSpPr>
-        <p:spPr>
-          <a:xfrm>
-            <a:off x="5631868" y="2332178"/>
+              <a:t>Admission Type</a:t>
+            </a:r>
+          </a:p>
+        </p:txBody>
+      </p:sp>
+      <p:sp>
+        <p:nvSpPr>
+          <p:cNvPr id="14" name="Rectangle 13">
+            <a:extLst>
+              <a:ext uri="{FF2B5EF4-FFF2-40B4-BE49-F238E27FC236}">
+                <a16:creationId xmlns:a16="http://schemas.microsoft.com/office/drawing/2014/main" id="{488E2468-19C0-458E-8CED-0EDB5E4D5312}"/>
+              </a:ext>
+            </a:extLst>
+          </p:cNvPr>
+          <p:cNvSpPr/>
+          <p:nvPr/>
+        </p:nvSpPr>
+        <p:spPr>
+          <a:xfrm>
+            <a:off x="5631867" y="2901372"/>
             <a:ext cx="1708727" cy="411017"/>
           </a:xfrm>
           <a:prstGeom prst="rect">
@@ -3835,27 +3835,74 @@
             <a:pPr algn="ctr"/>
             <a:r>
               <a:rPr lang="en-US"/>
-              <a:t>Admission Type</a:t>
-            </a:r>
-          </a:p>
-        </p:txBody>
-      </p:sp>
-      <p:sp>
-        <p:nvSpPr>
-          <p:cNvPr id="14" name="Rectangle 13">
-            <a:extLst>
-              <a:ext uri="{FF2B5EF4-FFF2-40B4-BE49-F238E27FC236}">
-                <a16:creationId xmlns:a16="http://schemas.microsoft.com/office/drawing/2014/main" id="{488E2468-19C0-458E-8CED-0EDB5E4D5312}"/>
-              </a:ext>
-            </a:extLst>
-          </p:cNvPr>
-          <p:cNvSpPr/>
-          <p:nvPr/>
-        </p:nvSpPr>
-        <p:spPr>
-          <a:xfrm>
-            <a:off x="5631867" y="2901372"/>
-            <a:ext cx="1708727" cy="411017"/>
+              <a:t>FTP file name</a:t>
+            </a:r>
+          </a:p>
+        </p:txBody>
+      </p:sp>
+      <p:sp>
+        <p:nvSpPr>
+          <p:cNvPr id="15" name="Rectangle 14">
+            <a:extLst>
+              <a:ext uri="{FF2B5EF4-FFF2-40B4-BE49-F238E27FC236}">
+                <a16:creationId xmlns:a16="http://schemas.microsoft.com/office/drawing/2014/main" id="{B17E0830-B6D5-4D53-9249-125783436C6D}"/>
+              </a:ext>
+            </a:extLst>
+          </p:cNvPr>
+          <p:cNvSpPr/>
+          <p:nvPr/>
+        </p:nvSpPr>
+        <p:spPr>
+          <a:xfrm>
+            <a:off x="2235200" y="1237671"/>
+            <a:ext cx="1985818" cy="411017"/>
+          </a:xfrm>
+          <a:prstGeom prst="rect">
+            <a:avLst/>
+          </a:prstGeom>
+        </p:spPr>
+        <p:style>
+          <a:lnRef idx="1">
+            <a:schemeClr val="accent3"/>
+          </a:lnRef>
+          <a:fillRef idx="2">
+            <a:schemeClr val="accent3"/>
+          </a:fillRef>
+          <a:effectRef idx="1">
+            <a:schemeClr val="accent3"/>
+          </a:effectRef>
+          <a:fontRef idx="minor">
+            <a:schemeClr val="dk1"/>
+          </a:fontRef>
+        </p:style>
+        <p:txBody>
+          <a:bodyPr rtlCol="0" anchor="ctr"/>
+          <a:lstStyle/>
+          <a:p>
+            <a:pPr algn="ctr"/>
+            <a:r>
+              <a:rPr lang="en-US"/>
+              <a:t>CT_MAP</a:t>
+            </a:r>
+          </a:p>
+        </p:txBody>
+      </p:sp>
+      <p:sp>
+        <p:nvSpPr>
+          <p:cNvPr id="16" name="Rectangle 15">
+            <a:extLst>
+              <a:ext uri="{FF2B5EF4-FFF2-40B4-BE49-F238E27FC236}">
+                <a16:creationId xmlns:a16="http://schemas.microsoft.com/office/drawing/2014/main" id="{80C3F056-1057-49DA-9124-1CD80474C8FD}"/>
+              </a:ext>
+            </a:extLst>
+          </p:cNvPr>
+          <p:cNvSpPr/>
+          <p:nvPr/>
+        </p:nvSpPr>
+        <p:spPr>
+          <a:xfrm>
+            <a:off x="3943927" y="1237671"/>
+            <a:ext cx="267855" cy="411017"/>
           </a:xfrm>
           <a:prstGeom prst="rect">
             <a:avLst/>
@@ -3880,100 +3927,6 @@
           <a:lstStyle/>
           <a:p>
             <a:pPr algn="ctr"/>
-            <a:r>
-              <a:rPr lang="en-US"/>
-              <a:t>FTP file name</a:t>
-            </a:r>
-          </a:p>
-        </p:txBody>
-      </p:sp>
-      <p:sp>
-        <p:nvSpPr>
-          <p:cNvPr id="15" name="Rectangle 14">
-            <a:extLst>
-              <a:ext uri="{FF2B5EF4-FFF2-40B4-BE49-F238E27FC236}">
-                <a16:creationId xmlns:a16="http://schemas.microsoft.com/office/drawing/2014/main" id="{B17E0830-B6D5-4D53-9249-125783436C6D}"/>
-              </a:ext>
-            </a:extLst>
-          </p:cNvPr>
-          <p:cNvSpPr/>
-          <p:nvPr/>
-        </p:nvSpPr>
-        <p:spPr>
-          <a:xfrm>
-            <a:off x="2235200" y="1237671"/>
-            <a:ext cx="1985818" cy="411017"/>
-          </a:xfrm>
-          <a:prstGeom prst="rect">
-            <a:avLst/>
-          </a:prstGeom>
-        </p:spPr>
-        <p:style>
-          <a:lnRef idx="1">
-            <a:schemeClr val="accent3"/>
-          </a:lnRef>
-          <a:fillRef idx="2">
-            <a:schemeClr val="accent3"/>
-          </a:fillRef>
-          <a:effectRef idx="1">
-            <a:schemeClr val="accent3"/>
-          </a:effectRef>
-          <a:fontRef idx="minor">
-            <a:schemeClr val="dk1"/>
-          </a:fontRef>
-        </p:style>
-        <p:txBody>
-          <a:bodyPr rtlCol="0" anchor="ctr"/>
-          <a:lstStyle/>
-          <a:p>
-            <a:pPr algn="ctr"/>
-            <a:r>
-              <a:rPr lang="en-US"/>
-              <a:t>CT_MAP</a:t>
-            </a:r>
-          </a:p>
-        </p:txBody>
-      </p:sp>
-      <p:sp>
-        <p:nvSpPr>
-          <p:cNvPr id="16" name="Rectangle 15">
-            <a:extLst>
-              <a:ext uri="{FF2B5EF4-FFF2-40B4-BE49-F238E27FC236}">
-                <a16:creationId xmlns:a16="http://schemas.microsoft.com/office/drawing/2014/main" id="{80C3F056-1057-49DA-9124-1CD80474C8FD}"/>
-              </a:ext>
-            </a:extLst>
-          </p:cNvPr>
-          <p:cNvSpPr/>
-          <p:nvPr/>
-        </p:nvSpPr>
-        <p:spPr>
-          <a:xfrm>
-            <a:off x="3943927" y="1237671"/>
-            <a:ext cx="267855" cy="411017"/>
-          </a:xfrm>
-          <a:prstGeom prst="rect">
-            <a:avLst/>
-          </a:prstGeom>
-        </p:spPr>
-        <p:style>
-          <a:lnRef idx="2">
-            <a:schemeClr val="accent6"/>
-          </a:lnRef>
-          <a:fillRef idx="1">
-            <a:schemeClr val="lt1"/>
-          </a:fillRef>
-          <a:effectRef idx="0">
-            <a:schemeClr val="accent6"/>
-          </a:effectRef>
-          <a:fontRef idx="minor">
-            <a:schemeClr val="dk1"/>
-          </a:fontRef>
-        </p:style>
-        <p:txBody>
-          <a:bodyPr rtlCol="0" anchor="ctr"/>
-          <a:lstStyle/>
-          <a:p>
-            <a:pPr algn="ctr"/>
             <a:endParaRPr lang="en-US"/>
           </a:p>
         </p:txBody>
@@ -3993,143 +3946,6 @@
         <p:spPr>
           <a:xfrm>
             <a:off x="4008582" y="1403927"/>
-            <a:ext cx="129309" cy="110837"/>
-          </a:xfrm>
-          <a:prstGeom prst="flowChartMerge">
-            <a:avLst/>
-          </a:prstGeom>
-        </p:spPr>
-        <p:style>
-          <a:lnRef idx="2">
-            <a:schemeClr val="accent1">
-              <a:shade val="50000"/>
-            </a:schemeClr>
-          </a:lnRef>
-          <a:fillRef idx="1">
-            <a:schemeClr val="accent1"/>
-          </a:fillRef>
-          <a:effectRef idx="0">
-            <a:schemeClr val="accent1"/>
-          </a:effectRef>
-          <a:fontRef idx="minor">
-            <a:schemeClr val="lt1"/>
-          </a:fontRef>
-        </p:style>
-        <p:txBody>
-          <a:bodyPr rtlCol="0" anchor="ctr"/>
-          <a:lstStyle/>
-          <a:p>
-            <a:pPr algn="ctr"/>
-            <a:endParaRPr lang="en-US"/>
-          </a:p>
-        </p:txBody>
-      </p:sp>
-      <p:sp>
-        <p:nvSpPr>
-          <p:cNvPr id="18" name="Rectangle 17">
-            <a:extLst>
-              <a:ext uri="{FF2B5EF4-FFF2-40B4-BE49-F238E27FC236}">
-                <a16:creationId xmlns:a16="http://schemas.microsoft.com/office/drawing/2014/main" id="{CC900875-9094-414F-800C-ED9618E8058F}"/>
-              </a:ext>
-            </a:extLst>
-          </p:cNvPr>
-          <p:cNvSpPr/>
-          <p:nvPr/>
-        </p:nvSpPr>
-        <p:spPr>
-          <a:xfrm>
-            <a:off x="7659256" y="1209963"/>
-            <a:ext cx="1985818" cy="411017"/>
-          </a:xfrm>
-          <a:prstGeom prst="rect">
-            <a:avLst/>
-          </a:prstGeom>
-        </p:spPr>
-        <p:style>
-          <a:lnRef idx="1">
-            <a:schemeClr val="accent3"/>
-          </a:lnRef>
-          <a:fillRef idx="2">
-            <a:schemeClr val="accent3"/>
-          </a:fillRef>
-          <a:effectRef idx="1">
-            <a:schemeClr val="accent3"/>
-          </a:effectRef>
-          <a:fontRef idx="minor">
-            <a:schemeClr val="dk1"/>
-          </a:fontRef>
-        </p:style>
-        <p:txBody>
-          <a:bodyPr rtlCol="0" anchor="ctr"/>
-          <a:lstStyle/>
-          <a:p>
-            <a:pPr algn="ctr"/>
-            <a:r>
-              <a:rPr lang="en-US"/>
-              <a:t>JASA</a:t>
-            </a:r>
-          </a:p>
-        </p:txBody>
-      </p:sp>
-      <p:sp>
-        <p:nvSpPr>
-          <p:cNvPr id="19" name="Rectangle 18">
-            <a:extLst>
-              <a:ext uri="{FF2B5EF4-FFF2-40B4-BE49-F238E27FC236}">
-                <a16:creationId xmlns:a16="http://schemas.microsoft.com/office/drawing/2014/main" id="{CEE1AD42-0C03-495D-8F23-F33499C0A6EF}"/>
-              </a:ext>
-            </a:extLst>
-          </p:cNvPr>
-          <p:cNvSpPr/>
-          <p:nvPr/>
-        </p:nvSpPr>
-        <p:spPr>
-          <a:xfrm>
-            <a:off x="9367983" y="1209963"/>
-            <a:ext cx="267855" cy="411017"/>
-          </a:xfrm>
-          <a:prstGeom prst="rect">
-            <a:avLst/>
-          </a:prstGeom>
-        </p:spPr>
-        <p:style>
-          <a:lnRef idx="2">
-            <a:schemeClr val="accent6"/>
-          </a:lnRef>
-          <a:fillRef idx="1">
-            <a:schemeClr val="lt1"/>
-          </a:fillRef>
-          <a:effectRef idx="0">
-            <a:schemeClr val="accent6"/>
-          </a:effectRef>
-          <a:fontRef idx="minor">
-            <a:schemeClr val="dk1"/>
-          </a:fontRef>
-        </p:style>
-        <p:txBody>
-          <a:bodyPr rtlCol="0" anchor="ctr"/>
-          <a:lstStyle/>
-          <a:p>
-            <a:pPr algn="ctr"/>
-            <a:endParaRPr lang="en-US"/>
-          </a:p>
-        </p:txBody>
-      </p:sp>
-      <p:sp>
-        <p:nvSpPr>
-          <p:cNvPr id="20" name="Flowchart: Merge 19">
-            <a:extLst>
-              <a:ext uri="{FF2B5EF4-FFF2-40B4-BE49-F238E27FC236}">
-                <a16:creationId xmlns:a16="http://schemas.microsoft.com/office/drawing/2014/main" id="{A57F73E9-288E-4A60-B221-8AE89CD3AB55}"/>
-              </a:ext>
-            </a:extLst>
-          </p:cNvPr>
-          <p:cNvSpPr/>
-          <p:nvPr/>
-        </p:nvSpPr>
-        <p:spPr>
-          <a:xfrm>
-            <a:off x="9432638" y="1376219"/>
             <a:ext cx="129309" cy="110837"/>
           </a:xfrm>
           <a:prstGeom prst="flowChartMerge">
@@ -4728,14 +4544,14 @@
           <p:nvPr>
             <p:extLst>
               <p:ext uri="{D42A27DB-BD31-4B8C-83A1-F6EECF244321}">
-                <p14:modId xmlns:p14="http://schemas.microsoft.com/office/powerpoint/2010/main" val="3338686259"/>
+                <p14:modId xmlns:p14="http://schemas.microsoft.com/office/powerpoint/2010/main" val="3992996440"/>
               </p:ext>
             </p:extLst>
           </p:nvPr>
         </p:nvGraphicFramePr>
         <p:xfrm>
           <a:off x="323272" y="4327698"/>
-          <a:ext cx="11557000" cy="1651000"/>
+          <a:ext cx="10508672" cy="1651000"/>
         </p:xfrm>
         <a:graphic>
           <a:graphicData uri="http://schemas.openxmlformats.org/drawingml/2006/table">
@@ -4769,13 +4585,6 @@
                   <a:extLst>
                     <a:ext uri="{9D8B030D-6E8A-4147-A177-3AD203B41FA5}">
                       <a16:colId xmlns:a16="http://schemas.microsoft.com/office/drawing/2014/main" val="3220753970"/>
-                    </a:ext>
-                  </a:extLst>
-                </a:gridCol>
-                <a:gridCol w="1048328">
-                  <a:extLst>
-                    <a:ext uri="{9D8B030D-6E8A-4147-A177-3AD203B41FA5}">
-                      <a16:colId xmlns:a16="http://schemas.microsoft.com/office/drawing/2014/main" val="2892698428"/>
                     </a:ext>
                   </a:extLst>
                 </a:gridCol>
@@ -4860,19 +4669,6 @@
                       <a:r>
                         <a:rPr lang="en-US"/>
                         <a:t>Client Other ID</a:t>
-                      </a:r>
-                    </a:p>
-                  </a:txBody>
-                  <a:tcPr/>
-                </a:tc>
-                <a:tc>
-                  <a:txBody>
-                    <a:bodyPr/>
-                    <a:lstStyle/>
-                    <a:p>
-                      <a:r>
-                        <a:rPr lang="en-US"/>
-                        <a:t>Provider ID</a:t>
                       </a:r>
                     </a:p>
                   </a:txBody>
@@ -4985,19 +4781,6 @@
                       <a:r>
                         <a:rPr lang="en-US"/>
                         <a:t>CW</a:t>
-                      </a:r>
-                    </a:p>
-                  </a:txBody>
-                  <a:tcPr/>
-                </a:tc>
-                <a:tc>
-                  <a:txBody>
-                    <a:bodyPr/>
-                    <a:lstStyle/>
-                    <a:p>
-                      <a:r>
-                        <a:rPr lang="en-US"/>
-                        <a:t>12345</a:t>
                       </a:r>
                     </a:p>
                   </a:txBody>
@@ -5192,16 +4975,6 @@
                   </a:txBody>
                   <a:tcPr/>
                 </a:tc>
-                <a:tc>
-                  <a:txBody>
-                    <a:bodyPr/>
-                    <a:lstStyle/>
-                    <a:p>
-                      <a:endParaRPr lang="en-US"/>
-                    </a:p>
-                  </a:txBody>
-                  <a:tcPr/>
-                </a:tc>
                 <a:extLst>
                   <a:ext uri="{0D108BD9-81ED-4DB2-BD59-A6C34878D82A}">
                     <a16:rowId xmlns:a16="http://schemas.microsoft.com/office/drawing/2014/main" val="3773987351"/>
@@ -5452,7 +5225,7 @@
         </p:nvSpPr>
         <p:spPr>
           <a:xfrm>
-            <a:off x="5846618" y="4629708"/>
+            <a:off x="6020838" y="4629707"/>
             <a:ext cx="129309" cy="110837"/>
           </a:xfrm>
           <a:prstGeom prst="flowChartMerge">
@@ -5496,7 +5269,7 @@
         </p:nvSpPr>
         <p:spPr>
           <a:xfrm>
-            <a:off x="7058428" y="4597301"/>
+            <a:off x="7155181" y="4602020"/>
             <a:ext cx="129309" cy="110837"/>
           </a:xfrm>
           <a:prstGeom prst="flowChartMerge">
@@ -5540,7 +5313,7 @@
         </p:nvSpPr>
         <p:spPr>
           <a:xfrm>
-            <a:off x="8237219" y="4597300"/>
+            <a:off x="8331664" y="4614101"/>
             <a:ext cx="129309" cy="110837"/>
           </a:xfrm>
           <a:prstGeom prst="flowChartMerge">
@@ -5584,7 +5357,7 @@
         </p:nvSpPr>
         <p:spPr>
           <a:xfrm>
-            <a:off x="9351355" y="4629707"/>
+            <a:off x="9497292" y="4620210"/>
             <a:ext cx="129309" cy="110837"/>
           </a:xfrm>
           <a:prstGeom prst="flowChartMerge">
@@ -5628,51 +5401,7 @@
         </p:nvSpPr>
         <p:spPr>
           <a:xfrm>
-            <a:off x="10572171" y="4629707"/>
-            <a:ext cx="129309" cy="110837"/>
-          </a:xfrm>
-          <a:prstGeom prst="flowChartMerge">
-            <a:avLst/>
-          </a:prstGeom>
-        </p:spPr>
-        <p:style>
-          <a:lnRef idx="2">
-            <a:schemeClr val="accent6"/>
-          </a:lnRef>
-          <a:fillRef idx="1">
-            <a:schemeClr val="lt1"/>
-          </a:fillRef>
-          <a:effectRef idx="0">
-            <a:schemeClr val="accent6"/>
-          </a:effectRef>
-          <a:fontRef idx="minor">
-            <a:schemeClr val="dk1"/>
-          </a:fontRef>
-        </p:style>
-        <p:txBody>
-          <a:bodyPr rtlCol="0" anchor="ctr"/>
-          <a:lstStyle/>
-          <a:p>
-            <a:pPr algn="ctr"/>
-            <a:endParaRPr lang="en-US"/>
-          </a:p>
-        </p:txBody>
-      </p:sp>
-      <p:sp>
-        <p:nvSpPr>
-          <p:cNvPr id="49" name="Flowchart: Merge 48">
-            <a:extLst>
-              <a:ext uri="{FF2B5EF4-FFF2-40B4-BE49-F238E27FC236}">
-                <a16:creationId xmlns:a16="http://schemas.microsoft.com/office/drawing/2014/main" id="{F048E8F7-ACC0-4408-A4D5-544EC5E79037}"/>
-              </a:ext>
-            </a:extLst>
-          </p:cNvPr>
-          <p:cNvSpPr/>
-          <p:nvPr/>
-        </p:nvSpPr>
-        <p:spPr>
-          <a:xfrm>
-            <a:off x="11728332" y="4597299"/>
+            <a:off x="10701940" y="4614101"/>
             <a:ext cx="129309" cy="110837"/>
           </a:xfrm>
           <a:prstGeom prst="flowChartMerge">
@@ -6477,7 +6206,7 @@
             <a:pPr algn="ctr"/>
             <a:r>
               <a:rPr lang="en-US" sz="1400"/>
-              <a:t>Client ID</a:t>
+              <a:t>Member ID</a:t>
             </a:r>
           </a:p>
         </p:txBody>
@@ -6618,7 +6347,7 @@
             <a:pPr algn="ctr"/>
             <a:r>
               <a:rPr lang="en-US" sz="1400"/>
-              <a:t>Agency</a:t>
+              <a:t>Provider ID</a:t>
             </a:r>
           </a:p>
         </p:txBody>
@@ -6934,99 +6663,6 @@
           </a:effectRef>
           <a:fontRef idx="minor">
             <a:schemeClr val="dk1"/>
-          </a:fontRef>
-        </p:style>
-        <p:txBody>
-          <a:bodyPr rtlCol="0" anchor="ctr"/>
-          <a:lstStyle/>
-          <a:p>
-            <a:pPr algn="ctr"/>
-            <a:r>
-              <a:rPr lang="en-US"/>
-              <a:t>JASA</a:t>
-            </a:r>
-          </a:p>
-        </p:txBody>
-      </p:sp>
-      <p:sp>
-        <p:nvSpPr>
-          <p:cNvPr id="19" name="Rectangle 18">
-            <a:extLst>
-              <a:ext uri="{FF2B5EF4-FFF2-40B4-BE49-F238E27FC236}">
-                <a16:creationId xmlns:a16="http://schemas.microsoft.com/office/drawing/2014/main" id="{CEE1AD42-0C03-495D-8F23-F33499C0A6EF}"/>
-              </a:ext>
-            </a:extLst>
-          </p:cNvPr>
-          <p:cNvSpPr/>
-          <p:nvPr/>
-        </p:nvSpPr>
-        <p:spPr>
-          <a:xfrm>
-            <a:off x="9238591" y="1200907"/>
-            <a:ext cx="267855" cy="332513"/>
-          </a:xfrm>
-          <a:prstGeom prst="rect">
-            <a:avLst/>
-          </a:prstGeom>
-        </p:spPr>
-        <p:style>
-          <a:lnRef idx="2">
-            <a:schemeClr val="accent6"/>
-          </a:lnRef>
-          <a:fillRef idx="1">
-            <a:schemeClr val="lt1"/>
-          </a:fillRef>
-          <a:effectRef idx="0">
-            <a:schemeClr val="accent6"/>
-          </a:effectRef>
-          <a:fontRef idx="minor">
-            <a:schemeClr val="dk1"/>
-          </a:fontRef>
-        </p:style>
-        <p:txBody>
-          <a:bodyPr rtlCol="0" anchor="ctr"/>
-          <a:lstStyle/>
-          <a:p>
-            <a:pPr algn="ctr"/>
-            <a:endParaRPr lang="en-US"/>
-          </a:p>
-        </p:txBody>
-      </p:sp>
-      <p:sp>
-        <p:nvSpPr>
-          <p:cNvPr id="20" name="Flowchart: Merge 19">
-            <a:extLst>
-              <a:ext uri="{FF2B5EF4-FFF2-40B4-BE49-F238E27FC236}">
-                <a16:creationId xmlns:a16="http://schemas.microsoft.com/office/drawing/2014/main" id="{A57F73E9-288E-4A60-B221-8AE89CD3AB55}"/>
-              </a:ext>
-            </a:extLst>
-          </p:cNvPr>
-          <p:cNvSpPr/>
-          <p:nvPr/>
-        </p:nvSpPr>
-        <p:spPr>
-          <a:xfrm>
-            <a:off x="9303246" y="1367163"/>
-            <a:ext cx="129309" cy="110837"/>
-          </a:xfrm>
-          <a:prstGeom prst="flowChartMerge">
-            <a:avLst/>
-          </a:prstGeom>
-        </p:spPr>
-        <p:style>
-          <a:lnRef idx="2">
-            <a:schemeClr val="accent1">
-              <a:shade val="50000"/>
-            </a:schemeClr>
-          </a:lnRef>
-          <a:fillRef idx="1">
-            <a:schemeClr val="accent1"/>
-          </a:fillRef>
-          <a:effectRef idx="0">
-            <a:schemeClr val="accent1"/>
-          </a:effectRef>
-          <a:fontRef idx="minor">
-            <a:schemeClr val="lt1"/>
           </a:fontRef>
         </p:style>
         <p:txBody>
@@ -7605,7 +7241,7 @@
           <p:nvPr>
             <p:extLst>
               <p:ext uri="{D42A27DB-BD31-4B8C-83A1-F6EECF244321}">
-                <p14:modId xmlns:p14="http://schemas.microsoft.com/office/powerpoint/2010/main" val="2386294079"/>
+                <p14:modId xmlns:p14="http://schemas.microsoft.com/office/powerpoint/2010/main" val="2324242787"/>
               </p:ext>
             </p:extLst>
           </p:nvPr>
@@ -7758,7 +7394,7 @@
                     <a:p>
                       <a:r>
                         <a:rPr lang="en-US" sz="1400"/>
-                        <a:t>Admission</a:t>
+                        <a:t>Admission Type</a:t>
                       </a:r>
                     </a:p>
                   </a:txBody>
@@ -10381,7 +10017,7 @@
             <a:pPr algn="ctr"/>
             <a:r>
               <a:rPr lang="en-US" sz="1400"/>
-              <a:t>Admission Type</a:t>
+              <a:t>Admission ID</a:t>
             </a:r>
           </a:p>
         </p:txBody>
@@ -11046,7 +10682,7 @@
           <p:nvPr>
             <p:extLst>
               <p:ext uri="{D42A27DB-BD31-4B8C-83A1-F6EECF244321}">
-                <p14:modId xmlns:p14="http://schemas.microsoft.com/office/powerpoint/2010/main" val="4217157222"/>
+                <p14:modId xmlns:p14="http://schemas.microsoft.com/office/powerpoint/2010/main" val="1054353570"/>
               </p:ext>
             </p:extLst>
           </p:nvPr>
@@ -11062,63 +10698,70 @@
                 <a:tableStyleId>{5C22544A-7EE6-4342-B048-85BDC9FD1C3A}</a:tableStyleId>
               </a:tblPr>
               <a:tblGrid>
-                <a:gridCol w="842257">
+                <a:gridCol w="771312">
                   <a:extLst>
                     <a:ext uri="{9D8B030D-6E8A-4147-A177-3AD203B41FA5}">
                       <a16:colId xmlns:a16="http://schemas.microsoft.com/office/drawing/2014/main" val="3424353894"/>
                     </a:ext>
                   </a:extLst>
                 </a:gridCol>
-                <a:gridCol w="1536352">
+                <a:gridCol w="1406942">
                   <a:extLst>
                     <a:ext uri="{9D8B030D-6E8A-4147-A177-3AD203B41FA5}">
                       <a16:colId xmlns:a16="http://schemas.microsoft.com/office/drawing/2014/main" val="102856749"/>
                     </a:ext>
                   </a:extLst>
                 </a:gridCol>
-                <a:gridCol w="1645920">
+                <a:gridCol w="1507280">
                   <a:extLst>
                     <a:ext uri="{9D8B030D-6E8A-4147-A177-3AD203B41FA5}">
                       <a16:colId xmlns:a16="http://schemas.microsoft.com/office/drawing/2014/main" val="989032576"/>
                     </a:ext>
                   </a:extLst>
                 </a:gridCol>
-                <a:gridCol w="1178560">
+                <a:gridCol w="1079287">
                   <a:extLst>
                     <a:ext uri="{9D8B030D-6E8A-4147-A177-3AD203B41FA5}">
                       <a16:colId xmlns:a16="http://schemas.microsoft.com/office/drawing/2014/main" val="2195469438"/>
                     </a:ext>
                   </a:extLst>
                 </a:gridCol>
-                <a:gridCol w="1087120">
+                <a:gridCol w="995549">
+                  <a:extLst>
+                    <a:ext uri="{9D8B030D-6E8A-4147-A177-3AD203B41FA5}">
+                      <a16:colId xmlns:a16="http://schemas.microsoft.com/office/drawing/2014/main" val="602916073"/>
+                    </a:ext>
+                  </a:extLst>
+                </a:gridCol>
+                <a:gridCol w="995549">
                   <a:extLst>
                     <a:ext uri="{9D8B030D-6E8A-4147-A177-3AD203B41FA5}">
                       <a16:colId xmlns:a16="http://schemas.microsoft.com/office/drawing/2014/main" val="3220753970"/>
                     </a:ext>
                   </a:extLst>
                 </a:gridCol>
-                <a:gridCol w="1402080">
+                <a:gridCol w="1283980">
                   <a:extLst>
                     <a:ext uri="{9D8B030D-6E8A-4147-A177-3AD203B41FA5}">
                       <a16:colId xmlns:a16="http://schemas.microsoft.com/office/drawing/2014/main" val="2892698428"/>
                     </a:ext>
                   </a:extLst>
                 </a:gridCol>
-                <a:gridCol w="1412240">
+                <a:gridCol w="1293284">
                   <a:extLst>
                     <a:ext uri="{9D8B030D-6E8A-4147-A177-3AD203B41FA5}">
                       <a16:colId xmlns:a16="http://schemas.microsoft.com/office/drawing/2014/main" val="176235821"/>
                     </a:ext>
                   </a:extLst>
                 </a:gridCol>
-                <a:gridCol w="1412240">
+                <a:gridCol w="1293284">
                   <a:extLst>
                     <a:ext uri="{9D8B030D-6E8A-4147-A177-3AD203B41FA5}">
                       <a16:colId xmlns:a16="http://schemas.microsoft.com/office/drawing/2014/main" val="3794010714"/>
                     </a:ext>
                   </a:extLst>
                 </a:gridCol>
-                <a:gridCol w="1302328">
+                <a:gridCol w="1192630">
                   <a:extLst>
                     <a:ext uri="{9D8B030D-6E8A-4147-A177-3AD203B41FA5}">
                       <a16:colId xmlns:a16="http://schemas.microsoft.com/office/drawing/2014/main" val="2562717995"/>
@@ -11144,7 +10787,7 @@
                     <a:p>
                       <a:r>
                         <a:rPr lang="en-US" sz="1400"/>
-                        <a:t>Client Other ID</a:t>
+                        <a:t>Patient ID</a:t>
                       </a:r>
                     </a:p>
                   </a:txBody>
@@ -11170,7 +10813,37 @@
                     <a:p>
                       <a:r>
                         <a:rPr lang="en-US" sz="1400"/>
-                        <a:t>Admission</a:t>
+                        <a:t>Admission ID</a:t>
+                      </a:r>
+                    </a:p>
+                  </a:txBody>
+                  <a:tcPr/>
+                </a:tc>
+                <a:tc>
+                  <a:txBody>
+                    <a:bodyPr/>
+                    <a:lstStyle/>
+                    <a:p>
+                      <a:pPr marL="0" marR="0" lvl="0" indent="0" algn="l" defTabSz="914400" rtl="0" eaLnBrk="1" fontAlgn="auto" latinLnBrk="0" hangingPunct="1">
+                        <a:lnSpc>
+                          <a:spcPct val="100000"/>
+                        </a:lnSpc>
+                        <a:spcBef>
+                          <a:spcPts val="0"/>
+                        </a:spcBef>
+                        <a:spcAft>
+                          <a:spcPts val="0"/>
+                        </a:spcAft>
+                        <a:buClrTx/>
+                        <a:buSzTx/>
+                        <a:buFontTx/>
+                        <a:buNone/>
+                        <a:tabLst/>
+                        <a:defRPr/>
+                      </a:pPr>
+                      <a:r>
+                        <a:rPr lang="en-US" sz="1400"/>
+                        <a:t>MR number</a:t>
                       </a:r>
                     </a:p>
                   </a:txBody>
@@ -11293,6 +10966,16 @@
                         <a:rPr lang="en-US" sz="1400"/>
                         <a:t>CW</a:t>
                       </a:r>
+                    </a:p>
+                  </a:txBody>
+                  <a:tcPr/>
+                </a:tc>
+                <a:tc>
+                  <a:txBody>
+                    <a:bodyPr/>
+                    <a:lstStyle/>
+                    <a:p>
+                      <a:endParaRPr lang="en-US" sz="1400"/>
                     </a:p>
                   </a:txBody>
                   <a:tcPr/>
@@ -11487,6 +11170,16 @@
                   </a:txBody>
                   <a:tcPr/>
                 </a:tc>
+                <a:tc>
+                  <a:txBody>
+                    <a:bodyPr/>
+                    <a:lstStyle/>
+                    <a:p>
+                      <a:endParaRPr lang="en-US" sz="1400"/>
+                    </a:p>
+                  </a:txBody>
+                  <a:tcPr/>
+                </a:tc>
                 <a:extLst>
                   <a:ext uri="{0D108BD9-81ED-4DB2-BD59-A6C34878D82A}">
                     <a16:rowId xmlns:a16="http://schemas.microsoft.com/office/drawing/2014/main" val="3773987351"/>
@@ -12138,147 +11831,6 @@
       </p:sp>
       <p:sp>
         <p:nvSpPr>
-          <p:cNvPr id="55" name="Rectangle 54">
-            <a:extLst>
-              <a:ext uri="{FF2B5EF4-FFF2-40B4-BE49-F238E27FC236}">
-                <a16:creationId xmlns:a16="http://schemas.microsoft.com/office/drawing/2014/main" id="{DCAC79B7-5B64-4E04-9F00-EB47AB968C7A}"/>
-              </a:ext>
-            </a:extLst>
-          </p:cNvPr>
-          <p:cNvSpPr/>
-          <p:nvPr/>
-        </p:nvSpPr>
-        <p:spPr>
-          <a:xfrm>
-            <a:off x="2670233" y="558777"/>
-            <a:ext cx="979979" cy="411024"/>
-          </a:xfrm>
-          <a:prstGeom prst="rect">
-            <a:avLst/>
-          </a:prstGeom>
-        </p:spPr>
-        <p:style>
-          <a:lnRef idx="2">
-            <a:schemeClr val="accent6"/>
-          </a:lnRef>
-          <a:fillRef idx="1">
-            <a:schemeClr val="lt1"/>
-          </a:fillRef>
-          <a:effectRef idx="0">
-            <a:schemeClr val="accent6"/>
-          </a:effectRef>
-          <a:fontRef idx="minor">
-            <a:schemeClr val="dk1"/>
-          </a:fontRef>
-        </p:style>
-        <p:txBody>
-          <a:bodyPr rtlCol="0" anchor="ctr"/>
-          <a:lstStyle/>
-          <a:p>
-            <a:pPr algn="ctr"/>
-            <a:r>
-              <a:rPr lang="en-US" sz="1400"/>
-              <a:t>Schedules</a:t>
-            </a:r>
-          </a:p>
-        </p:txBody>
-      </p:sp>
-      <p:sp>
-        <p:nvSpPr>
-          <p:cNvPr id="56" name="Rectangle 55">
-            <a:extLst>
-              <a:ext uri="{FF2B5EF4-FFF2-40B4-BE49-F238E27FC236}">
-                <a16:creationId xmlns:a16="http://schemas.microsoft.com/office/drawing/2014/main" id="{E290947B-737E-40E2-BD23-E90283690CD5}"/>
-              </a:ext>
-            </a:extLst>
-          </p:cNvPr>
-          <p:cNvSpPr/>
-          <p:nvPr/>
-        </p:nvSpPr>
-        <p:spPr>
-          <a:xfrm>
-            <a:off x="3647389" y="558777"/>
-            <a:ext cx="822960" cy="411024"/>
-          </a:xfrm>
-          <a:prstGeom prst="rect">
-            <a:avLst/>
-          </a:prstGeom>
-        </p:spPr>
-        <p:style>
-          <a:lnRef idx="2">
-            <a:schemeClr val="accent6"/>
-          </a:lnRef>
-          <a:fillRef idx="1">
-            <a:schemeClr val="lt1"/>
-          </a:fillRef>
-          <a:effectRef idx="0">
-            <a:schemeClr val="accent6"/>
-          </a:effectRef>
-          <a:fontRef idx="minor">
-            <a:schemeClr val="dk1"/>
-          </a:fontRef>
-        </p:style>
-        <p:txBody>
-          <a:bodyPr rtlCol="0" anchor="ctr"/>
-          <a:lstStyle/>
-          <a:p>
-            <a:pPr algn="ctr"/>
-            <a:r>
-              <a:rPr lang="en-US" sz="1400"/>
-              <a:t>Billings</a:t>
-            </a:r>
-          </a:p>
-        </p:txBody>
-      </p:sp>
-      <p:sp>
-        <p:nvSpPr>
-          <p:cNvPr id="57" name="Rectangle 56">
-            <a:extLst>
-              <a:ext uri="{FF2B5EF4-FFF2-40B4-BE49-F238E27FC236}">
-                <a16:creationId xmlns:a16="http://schemas.microsoft.com/office/drawing/2014/main" id="{099A9093-744E-45AA-BBAC-4E8975BA900C}"/>
-              </a:ext>
-            </a:extLst>
-          </p:cNvPr>
-          <p:cNvSpPr/>
-          <p:nvPr/>
-        </p:nvSpPr>
-        <p:spPr>
-          <a:xfrm>
-            <a:off x="4482587" y="558777"/>
-            <a:ext cx="979980" cy="411024"/>
-          </a:xfrm>
-          <a:prstGeom prst="rect">
-            <a:avLst/>
-          </a:prstGeom>
-        </p:spPr>
-        <p:style>
-          <a:lnRef idx="2">
-            <a:schemeClr val="accent6"/>
-          </a:lnRef>
-          <a:fillRef idx="1">
-            <a:schemeClr val="lt1"/>
-          </a:fillRef>
-          <a:effectRef idx="0">
-            <a:schemeClr val="accent6"/>
-          </a:effectRef>
-          <a:fontRef idx="minor">
-            <a:schemeClr val="dk1"/>
-          </a:fontRef>
-        </p:style>
-        <p:txBody>
-          <a:bodyPr rtlCol="0" anchor="ctr"/>
-          <a:lstStyle/>
-          <a:p>
-            <a:pPr algn="ctr"/>
-            <a:r>
-              <a:rPr lang="en-US" sz="1400"/>
-              <a:t>Caregivers</a:t>
-            </a:r>
-          </a:p>
-        </p:txBody>
-      </p:sp>
-      <p:sp>
-        <p:nvSpPr>
           <p:cNvPr id="2" name="Rectangle 1">
             <a:extLst>
               <a:ext uri="{FF2B5EF4-FFF2-40B4-BE49-F238E27FC236}">
@@ -12850,7 +12402,7 @@
         </p:nvSpPr>
         <p:spPr>
           <a:xfrm>
-            <a:off x="2397991" y="5332352"/>
+            <a:off x="2208204" y="5315213"/>
             <a:ext cx="129309" cy="110837"/>
           </a:xfrm>
           <a:prstGeom prst="flowChartMerge">
@@ -12894,7 +12446,7 @@
         </p:nvSpPr>
         <p:spPr>
           <a:xfrm>
-            <a:off x="4076349" y="5333000"/>
+            <a:off x="3744432" y="5333537"/>
             <a:ext cx="129309" cy="110837"/>
           </a:xfrm>
           <a:prstGeom prst="flowChartMerge">
@@ -12938,7 +12490,7 @@
         </p:nvSpPr>
         <p:spPr>
           <a:xfrm>
-            <a:off x="5280660" y="5332352"/>
+            <a:off x="4823800" y="5315212"/>
             <a:ext cx="129309" cy="110837"/>
           </a:xfrm>
           <a:prstGeom prst="flowChartMerge">
@@ -12982,7 +12534,7 @@
         </p:nvSpPr>
         <p:spPr>
           <a:xfrm>
-            <a:off x="6360028" y="5332332"/>
+            <a:off x="6771258" y="5332331"/>
             <a:ext cx="129309" cy="110837"/>
           </a:xfrm>
           <a:prstGeom prst="flowChartMerge">
@@ -13026,7 +12578,7 @@
         </p:nvSpPr>
         <p:spPr>
           <a:xfrm>
-            <a:off x="7782791" y="5332331"/>
+            <a:off x="8139790" y="5332331"/>
             <a:ext cx="129309" cy="110837"/>
           </a:xfrm>
           <a:prstGeom prst="flowChartMerge">
@@ -13070,7 +12622,7 @@
         </p:nvSpPr>
         <p:spPr>
           <a:xfrm>
-            <a:off x="9205554" y="5318258"/>
+            <a:off x="9407712" y="5315212"/>
             <a:ext cx="129309" cy="110837"/>
           </a:xfrm>
           <a:prstGeom prst="flowChartMerge">
@@ -13114,7 +12666,7 @@
         </p:nvSpPr>
         <p:spPr>
           <a:xfrm>
-            <a:off x="10600805" y="5332331"/>
+            <a:off x="10675165" y="5332331"/>
             <a:ext cx="129309" cy="110837"/>
           </a:xfrm>
           <a:prstGeom prst="flowChartMerge">
@@ -13159,6 +12711,141 @@
         <p:spPr>
           <a:xfrm>
             <a:off x="11868727" y="5332331"/>
+            <a:ext cx="129309" cy="110837"/>
+          </a:xfrm>
+          <a:prstGeom prst="flowChartMerge">
+            <a:avLst/>
+          </a:prstGeom>
+        </p:spPr>
+        <p:style>
+          <a:lnRef idx="2">
+            <a:schemeClr val="accent6"/>
+          </a:lnRef>
+          <a:fillRef idx="1">
+            <a:schemeClr val="lt1"/>
+          </a:fillRef>
+          <a:effectRef idx="0">
+            <a:schemeClr val="accent6"/>
+          </a:effectRef>
+          <a:fontRef idx="minor">
+            <a:schemeClr val="dk1"/>
+          </a:fontRef>
+        </p:style>
+        <p:txBody>
+          <a:bodyPr rtlCol="0" anchor="ctr"/>
+          <a:lstStyle/>
+          <a:p>
+            <a:pPr algn="ctr"/>
+            <a:endParaRPr lang="en-US"/>
+          </a:p>
+        </p:txBody>
+      </p:sp>
+      <p:sp>
+        <p:nvSpPr>
+          <p:cNvPr id="77" name="Rectangle 76">
+            <a:extLst>
+              <a:ext uri="{FF2B5EF4-FFF2-40B4-BE49-F238E27FC236}">
+                <a16:creationId xmlns:a16="http://schemas.microsoft.com/office/drawing/2014/main" id="{EBF44256-9A8D-4747-9708-24F93982F513}"/>
+              </a:ext>
+            </a:extLst>
+          </p:cNvPr>
+          <p:cNvSpPr/>
+          <p:nvPr/>
+        </p:nvSpPr>
+        <p:spPr>
+          <a:xfrm>
+            <a:off x="5631867" y="2763994"/>
+            <a:ext cx="1590968" cy="375213"/>
+          </a:xfrm>
+          <a:prstGeom prst="rect">
+            <a:avLst/>
+          </a:prstGeom>
+        </p:spPr>
+        <p:style>
+          <a:lnRef idx="2">
+            <a:schemeClr val="accent6"/>
+          </a:lnRef>
+          <a:fillRef idx="1">
+            <a:schemeClr val="lt1"/>
+          </a:fillRef>
+          <a:effectRef idx="0">
+            <a:schemeClr val="accent6"/>
+          </a:effectRef>
+          <a:fontRef idx="minor">
+            <a:schemeClr val="dk1"/>
+          </a:fontRef>
+        </p:style>
+        <p:txBody>
+          <a:bodyPr rtlCol="0" anchor="ctr"/>
+          <a:lstStyle/>
+          <a:p>
+            <a:pPr algn="ctr"/>
+            <a:r>
+              <a:rPr lang="en-US" sz="1400"/>
+              <a:t>MR number</a:t>
+            </a:r>
+          </a:p>
+        </p:txBody>
+      </p:sp>
+      <p:sp>
+        <p:nvSpPr>
+          <p:cNvPr id="78" name="Rectangle 77">
+            <a:extLst>
+              <a:ext uri="{FF2B5EF4-FFF2-40B4-BE49-F238E27FC236}">
+                <a16:creationId xmlns:a16="http://schemas.microsoft.com/office/drawing/2014/main" id="{AF6CAB41-BD18-44B4-88AA-E1CE0DA87FAD}"/>
+              </a:ext>
+            </a:extLst>
+          </p:cNvPr>
+          <p:cNvSpPr/>
+          <p:nvPr/>
+        </p:nvSpPr>
+        <p:spPr>
+          <a:xfrm>
+            <a:off x="7650019" y="2772118"/>
+            <a:ext cx="1847190" cy="331314"/>
+          </a:xfrm>
+          <a:prstGeom prst="rect">
+            <a:avLst/>
+          </a:prstGeom>
+        </p:spPr>
+        <p:style>
+          <a:lnRef idx="1">
+            <a:schemeClr val="accent3"/>
+          </a:lnRef>
+          <a:fillRef idx="2">
+            <a:schemeClr val="accent3"/>
+          </a:fillRef>
+          <a:effectRef idx="1">
+            <a:schemeClr val="accent3"/>
+          </a:effectRef>
+          <a:fontRef idx="minor">
+            <a:schemeClr val="dk1"/>
+          </a:fontRef>
+        </p:style>
+        <p:txBody>
+          <a:bodyPr rtlCol="0" anchor="ctr"/>
+          <a:lstStyle/>
+          <a:p>
+            <a:pPr algn="ctr"/>
+            <a:endParaRPr lang="en-US"/>
+          </a:p>
+        </p:txBody>
+      </p:sp>
+      <p:sp>
+        <p:nvSpPr>
+          <p:cNvPr id="79" name="Flowchart: Merge 78">
+            <a:extLst>
+              <a:ext uri="{FF2B5EF4-FFF2-40B4-BE49-F238E27FC236}">
+                <a16:creationId xmlns:a16="http://schemas.microsoft.com/office/drawing/2014/main" id="{038A91EE-E760-4961-9BA0-4FA9CA26D73D}"/>
+              </a:ext>
+            </a:extLst>
+          </p:cNvPr>
+          <p:cNvSpPr/>
+          <p:nvPr/>
+        </p:nvSpPr>
+        <p:spPr>
+          <a:xfrm>
+            <a:off x="5838513" y="5303881"/>
             <a:ext cx="129309" cy="110837"/>
           </a:xfrm>
           <a:prstGeom prst="flowChartMerge">
@@ -13542,7 +13229,7 @@
             <a:pPr algn="ctr"/>
             <a:r>
               <a:rPr lang="en-US" sz="1400"/>
-              <a:t>Admission Type</a:t>
+              <a:t>Admission ID</a:t>
             </a:r>
           </a:p>
         </p:txBody>
@@ -14209,14 +13896,14 @@
           <p:nvPr>
             <p:extLst>
               <p:ext uri="{D42A27DB-BD31-4B8C-83A1-F6EECF244321}">
-                <p14:modId xmlns:p14="http://schemas.microsoft.com/office/powerpoint/2010/main" val="1536887151"/>
+                <p14:modId xmlns:p14="http://schemas.microsoft.com/office/powerpoint/2010/main" val="2145215615"/>
               </p:ext>
             </p:extLst>
           </p:nvPr>
         </p:nvGraphicFramePr>
         <p:xfrm>
           <a:off x="252831" y="5048415"/>
-          <a:ext cx="11819096" cy="1596940"/>
+          <a:ext cx="11819096" cy="1682390"/>
         </p:xfrm>
         <a:graphic>
           <a:graphicData uri="http://schemas.openxmlformats.org/drawingml/2006/table">
@@ -14225,70 +13912,84 @@
                 <a:tableStyleId>{5C22544A-7EE6-4342-B048-85BDC9FD1C3A}</a:tableStyleId>
               </a:tblPr>
               <a:tblGrid>
-                <a:gridCol w="758661">
+                <a:gridCol w="621903">
                   <a:extLst>
                     <a:ext uri="{9D8B030D-6E8A-4147-A177-3AD203B41FA5}">
                       <a16:colId xmlns:a16="http://schemas.microsoft.com/office/drawing/2014/main" val="3424353894"/>
                     </a:ext>
                   </a:extLst>
                 </a:gridCol>
-                <a:gridCol w="1383866">
+                <a:gridCol w="1134407">
                   <a:extLst>
                     <a:ext uri="{9D8B030D-6E8A-4147-A177-3AD203B41FA5}">
                       <a16:colId xmlns:a16="http://schemas.microsoft.com/office/drawing/2014/main" val="102856749"/>
                     </a:ext>
                   </a:extLst>
                 </a:gridCol>
-                <a:gridCol w="1244618">
+                <a:gridCol w="1020260">
                   <a:extLst>
                     <a:ext uri="{9D8B030D-6E8A-4147-A177-3AD203B41FA5}">
                       <a16:colId xmlns:a16="http://schemas.microsoft.com/office/drawing/2014/main" val="989032576"/>
                     </a:ext>
                   </a:extLst>
                 </a:gridCol>
-                <a:gridCol w="1299527">
+                <a:gridCol w="1065271">
+                  <a:extLst>
+                    <a:ext uri="{9D8B030D-6E8A-4147-A177-3AD203B41FA5}">
+                      <a16:colId xmlns:a16="http://schemas.microsoft.com/office/drawing/2014/main" val="627530551"/>
+                    </a:ext>
+                  </a:extLst>
+                </a:gridCol>
+                <a:gridCol w="1065271">
+                  <a:extLst>
+                    <a:ext uri="{9D8B030D-6E8A-4147-A177-3AD203B41FA5}">
+                      <a16:colId xmlns:a16="http://schemas.microsoft.com/office/drawing/2014/main" val="3011464030"/>
+                    </a:ext>
+                  </a:extLst>
+                </a:gridCol>
+                <a:gridCol w="1065271">
                   <a:extLst>
                     <a:ext uri="{9D8B030D-6E8A-4147-A177-3AD203B41FA5}">
                       <a16:colId xmlns:a16="http://schemas.microsoft.com/office/drawing/2014/main" val="2195469438"/>
                     </a:ext>
                   </a:extLst>
                 </a:gridCol>
-                <a:gridCol w="979221">
+                <a:gridCol w="802704">
                   <a:extLst>
                     <a:ext uri="{9D8B030D-6E8A-4147-A177-3AD203B41FA5}">
                       <a16:colId xmlns:a16="http://schemas.microsoft.com/office/drawing/2014/main" val="3220753970"/>
                     </a:ext>
                   </a:extLst>
                 </a:gridCol>
-                <a:gridCol w="1262921">
+                <a:gridCol w="1035263">
                   <a:extLst>
                     <a:ext uri="{9D8B030D-6E8A-4147-A177-3AD203B41FA5}">
                       <a16:colId xmlns:a16="http://schemas.microsoft.com/office/drawing/2014/main" val="2892698428"/>
                     </a:ext>
                   </a:extLst>
                 </a:gridCol>
-                <a:gridCol w="1272072">
+                <a:gridCol w="1042765">
                   <a:extLst>
                     <a:ext uri="{9D8B030D-6E8A-4147-A177-3AD203B41FA5}">
                       <a16:colId xmlns:a16="http://schemas.microsoft.com/office/drawing/2014/main" val="176235821"/>
                     </a:ext>
                   </a:extLst>
                 </a:gridCol>
-                <a:gridCol w="1272072">
+                <a:gridCol w="1042765">
                   <a:extLst>
                     <a:ext uri="{9D8B030D-6E8A-4147-A177-3AD203B41FA5}">
                       <a16:colId xmlns:a16="http://schemas.microsoft.com/office/drawing/2014/main" val="3794010714"/>
                     </a:ext>
                   </a:extLst>
                 </a:gridCol>
-                <a:gridCol w="1173069">
+                <a:gridCol w="961608">
                   <a:extLst>
                     <a:ext uri="{9D8B030D-6E8A-4147-A177-3AD203B41FA5}">
                       <a16:colId xmlns:a16="http://schemas.microsoft.com/office/drawing/2014/main" val="983435682"/>
                     </a:ext>
                   </a:extLst>
                 </a:gridCol>
-                <a:gridCol w="1173069">
+                <a:gridCol w="961608">
                   <a:extLst>
                     <a:ext uri="{9D8B030D-6E8A-4147-A177-3AD203B41FA5}">
                       <a16:colId xmlns:a16="http://schemas.microsoft.com/office/drawing/2014/main" val="2562717995"/>
@@ -14314,7 +14015,7 @@
                     <a:p>
                       <a:r>
                         <a:rPr lang="en-US" sz="1400"/>
-                        <a:t>Client Full name</a:t>
+                        <a:t>Patient Full name</a:t>
                       </a:r>
                     </a:p>
                   </a:txBody>
@@ -14327,7 +14028,67 @@
                     <a:p>
                       <a:r>
                         <a:rPr lang="en-US" sz="1400"/>
-                        <a:t>Admission</a:t>
+                        <a:t>Admission ID</a:t>
+                      </a:r>
+                    </a:p>
+                  </a:txBody>
+                  <a:tcPr/>
+                </a:tc>
+                <a:tc>
+                  <a:txBody>
+                    <a:bodyPr/>
+                    <a:lstStyle/>
+                    <a:p>
+                      <a:pPr marL="0" marR="0" lvl="0" indent="0" algn="l" defTabSz="914400" rtl="0" eaLnBrk="1" fontAlgn="auto" latinLnBrk="0" hangingPunct="1">
+                        <a:lnSpc>
+                          <a:spcPct val="100000"/>
+                        </a:lnSpc>
+                        <a:spcBef>
+                          <a:spcPts val="0"/>
+                        </a:spcBef>
+                        <a:spcAft>
+                          <a:spcPts val="0"/>
+                        </a:spcAft>
+                        <a:buClrTx/>
+                        <a:buSzTx/>
+                        <a:buFontTx/>
+                        <a:buNone/>
+                        <a:tabLst/>
+                        <a:defRPr/>
+                      </a:pPr>
+                      <a:r>
+                        <a:rPr lang="en-US" sz="1400"/>
+                        <a:t>MR Number</a:t>
+                      </a:r>
+                    </a:p>
+                  </a:txBody>
+                  <a:tcPr/>
+                </a:tc>
+                <a:tc>
+                  <a:txBody>
+                    <a:bodyPr/>
+                    <a:lstStyle/>
+                    <a:p>
+                      <a:pPr marL="0" marR="0" lvl="0" indent="0" algn="l" defTabSz="914400" rtl="0" eaLnBrk="1" fontAlgn="auto" latinLnBrk="0" hangingPunct="1">
+                        <a:lnSpc>
+                          <a:spcPct val="100000"/>
+                        </a:lnSpc>
+                        <a:spcBef>
+                          <a:spcPts val="0"/>
+                        </a:spcBef>
+                        <a:spcAft>
+                          <a:spcPts val="0"/>
+                        </a:spcAft>
+                        <a:buClrTx/>
+                        <a:buSzTx/>
+                        <a:buFontTx/>
+                        <a:buNone/>
+                        <a:tabLst/>
+                        <a:defRPr/>
+                      </a:pPr>
+                      <a:r>
+                        <a:rPr lang="en-US" sz="1400"/>
+                        <a:t>Auth ID</a:t>
                       </a:r>
                     </a:p>
                   </a:txBody>
@@ -14497,6 +14258,26 @@
                         <a:rPr lang="en-US" sz="1400"/>
                         <a:t>CW</a:t>
                       </a:r>
+                    </a:p>
+                  </a:txBody>
+                  <a:tcPr/>
+                </a:tc>
+                <a:tc>
+                  <a:txBody>
+                    <a:bodyPr/>
+                    <a:lstStyle/>
+                    <a:p>
+                      <a:endParaRPr lang="en-US" sz="1400"/>
+                    </a:p>
+                  </a:txBody>
+                  <a:tcPr/>
+                </a:tc>
+                <a:tc>
+                  <a:txBody>
+                    <a:bodyPr/>
+                    <a:lstStyle/>
+                    <a:p>
+                      <a:endParaRPr lang="en-US" sz="1400"/>
                     </a:p>
                   </a:txBody>
                   <a:tcPr/>
@@ -14744,6 +14525,26 @@
                   </a:txBody>
                   <a:tcPr/>
                 </a:tc>
+                <a:tc>
+                  <a:txBody>
+                    <a:bodyPr/>
+                    <a:lstStyle/>
+                    <a:p>
+                      <a:endParaRPr lang="en-US" sz="1400"/>
+                    </a:p>
+                  </a:txBody>
+                  <a:tcPr/>
+                </a:tc>
+                <a:tc>
+                  <a:txBody>
+                    <a:bodyPr/>
+                    <a:lstStyle/>
+                    <a:p>
+                      <a:endParaRPr lang="en-US" sz="1400"/>
+                    </a:p>
+                  </a:txBody>
+                  <a:tcPr/>
+                </a:tc>
                 <a:extLst>
                   <a:ext uri="{0D108BD9-81ED-4DB2-BD59-A6C34878D82A}">
                     <a16:rowId xmlns:a16="http://schemas.microsoft.com/office/drawing/2014/main" val="3773987351"/>
@@ -15213,7 +15014,7 @@
         </p:nvSpPr>
         <p:spPr>
           <a:xfrm>
-            <a:off x="0" y="3343464"/>
+            <a:off x="0" y="3541820"/>
             <a:ext cx="2145608" cy="338266"/>
           </a:xfrm>
           <a:prstGeom prst="rect">
@@ -15263,7 +15064,7 @@
         </p:nvSpPr>
         <p:spPr>
           <a:xfrm>
-            <a:off x="5280660" y="3343464"/>
+            <a:off x="5311040" y="3551772"/>
             <a:ext cx="2145608" cy="338266"/>
           </a:xfrm>
           <a:prstGeom prst="rect">
@@ -15389,147 +15190,6 @@
             <a:r>
               <a:rPr lang="en-US" sz="1300"/>
               <a:t>Authorizations</a:t>
-            </a:r>
-          </a:p>
-        </p:txBody>
-      </p:sp>
-      <p:sp>
-        <p:nvSpPr>
-          <p:cNvPr id="62" name="Rectangle 61">
-            <a:extLst>
-              <a:ext uri="{FF2B5EF4-FFF2-40B4-BE49-F238E27FC236}">
-                <a16:creationId xmlns:a16="http://schemas.microsoft.com/office/drawing/2014/main" id="{1054591A-BD69-4E73-86A5-9AC1FC841E34}"/>
-              </a:ext>
-            </a:extLst>
-          </p:cNvPr>
-          <p:cNvSpPr/>
-          <p:nvPr/>
-        </p:nvSpPr>
-        <p:spPr>
-          <a:xfrm>
-            <a:off x="2670233" y="558777"/>
-            <a:ext cx="979979" cy="411024"/>
-          </a:xfrm>
-          <a:prstGeom prst="rect">
-            <a:avLst/>
-          </a:prstGeom>
-        </p:spPr>
-        <p:style>
-          <a:lnRef idx="2">
-            <a:schemeClr val="accent6"/>
-          </a:lnRef>
-          <a:fillRef idx="1">
-            <a:schemeClr val="lt1"/>
-          </a:fillRef>
-          <a:effectRef idx="0">
-            <a:schemeClr val="accent6"/>
-          </a:effectRef>
-          <a:fontRef idx="minor">
-            <a:schemeClr val="dk1"/>
-          </a:fontRef>
-        </p:style>
-        <p:txBody>
-          <a:bodyPr rtlCol="0" anchor="ctr"/>
-          <a:lstStyle/>
-          <a:p>
-            <a:pPr algn="ctr"/>
-            <a:r>
-              <a:rPr lang="en-US" sz="1400"/>
-              <a:t>Schedules</a:t>
-            </a:r>
-          </a:p>
-        </p:txBody>
-      </p:sp>
-      <p:sp>
-        <p:nvSpPr>
-          <p:cNvPr id="63" name="Rectangle 62">
-            <a:extLst>
-              <a:ext uri="{FF2B5EF4-FFF2-40B4-BE49-F238E27FC236}">
-                <a16:creationId xmlns:a16="http://schemas.microsoft.com/office/drawing/2014/main" id="{E27DD47A-37DE-440D-91BF-BAB31F838E78}"/>
-              </a:ext>
-            </a:extLst>
-          </p:cNvPr>
-          <p:cNvSpPr/>
-          <p:nvPr/>
-        </p:nvSpPr>
-        <p:spPr>
-          <a:xfrm>
-            <a:off x="3647389" y="558777"/>
-            <a:ext cx="822960" cy="411024"/>
-          </a:xfrm>
-          <a:prstGeom prst="rect">
-            <a:avLst/>
-          </a:prstGeom>
-        </p:spPr>
-        <p:style>
-          <a:lnRef idx="2">
-            <a:schemeClr val="accent6"/>
-          </a:lnRef>
-          <a:fillRef idx="1">
-            <a:schemeClr val="lt1"/>
-          </a:fillRef>
-          <a:effectRef idx="0">
-            <a:schemeClr val="accent6"/>
-          </a:effectRef>
-          <a:fontRef idx="minor">
-            <a:schemeClr val="dk1"/>
-          </a:fontRef>
-        </p:style>
-        <p:txBody>
-          <a:bodyPr rtlCol="0" anchor="ctr"/>
-          <a:lstStyle/>
-          <a:p>
-            <a:pPr algn="ctr"/>
-            <a:r>
-              <a:rPr lang="en-US" sz="1400"/>
-              <a:t>Billings</a:t>
-            </a:r>
-          </a:p>
-        </p:txBody>
-      </p:sp>
-      <p:sp>
-        <p:nvSpPr>
-          <p:cNvPr id="64" name="Rectangle 63">
-            <a:extLst>
-              <a:ext uri="{FF2B5EF4-FFF2-40B4-BE49-F238E27FC236}">
-                <a16:creationId xmlns:a16="http://schemas.microsoft.com/office/drawing/2014/main" id="{32624082-CF85-416C-B7DD-AD681C623C99}"/>
-              </a:ext>
-            </a:extLst>
-          </p:cNvPr>
-          <p:cNvSpPr/>
-          <p:nvPr/>
-        </p:nvSpPr>
-        <p:spPr>
-          <a:xfrm>
-            <a:off x="4482587" y="558777"/>
-            <a:ext cx="979980" cy="411024"/>
-          </a:xfrm>
-          <a:prstGeom prst="rect">
-            <a:avLst/>
-          </a:prstGeom>
-        </p:spPr>
-        <p:style>
-          <a:lnRef idx="2">
-            <a:schemeClr val="accent6"/>
-          </a:lnRef>
-          <a:fillRef idx="1">
-            <a:schemeClr val="lt1"/>
-          </a:fillRef>
-          <a:effectRef idx="0">
-            <a:schemeClr val="accent6"/>
-          </a:effectRef>
-          <a:fontRef idx="minor">
-            <a:schemeClr val="dk1"/>
-          </a:fontRef>
-        </p:style>
-        <p:txBody>
-          <a:bodyPr rtlCol="0" anchor="ctr"/>
-          <a:lstStyle/>
-          <a:p>
-            <a:pPr algn="ctr"/>
-            <a:r>
-              <a:rPr lang="en-US" sz="1400"/>
-              <a:t>Caregivers</a:t>
             </a:r>
           </a:p>
         </p:txBody>
@@ -16107,7 +15767,7 @@
         </p:nvSpPr>
         <p:spPr>
           <a:xfrm>
-            <a:off x="2208204" y="5345097"/>
+            <a:off x="1858610" y="5346519"/>
             <a:ext cx="129309" cy="110837"/>
           </a:xfrm>
           <a:prstGeom prst="flowChartMerge">
@@ -16151,7 +15811,7 @@
         </p:nvSpPr>
         <p:spPr>
           <a:xfrm>
-            <a:off x="3464791" y="5315970"/>
+            <a:off x="2819047" y="5348029"/>
             <a:ext cx="129309" cy="110837"/>
           </a:xfrm>
           <a:prstGeom prst="flowChartMerge">
@@ -16195,7 +15855,7 @@
         </p:nvSpPr>
         <p:spPr>
           <a:xfrm>
-            <a:off x="4721378" y="5341679"/>
+            <a:off x="3960965" y="5327438"/>
             <a:ext cx="129309" cy="110837"/>
           </a:xfrm>
           <a:prstGeom prst="flowChartMerge">
@@ -16239,7 +15899,7 @@
         </p:nvSpPr>
         <p:spPr>
           <a:xfrm>
-            <a:off x="5731091" y="5338261"/>
+            <a:off x="5994874" y="5338260"/>
             <a:ext cx="129309" cy="110837"/>
           </a:xfrm>
           <a:prstGeom prst="flowChartMerge">
@@ -16283,7 +15943,7 @@
         </p:nvSpPr>
         <p:spPr>
           <a:xfrm>
-            <a:off x="7019966" y="5342770"/>
+            <a:off x="6872928" y="5346519"/>
             <a:ext cx="129309" cy="110837"/>
           </a:xfrm>
           <a:prstGeom prst="flowChartMerge">
@@ -16327,7 +15987,7 @@
         </p:nvSpPr>
         <p:spPr>
           <a:xfrm>
-            <a:off x="8257071" y="5368672"/>
+            <a:off x="8904983" y="5374794"/>
             <a:ext cx="129309" cy="110837"/>
           </a:xfrm>
           <a:prstGeom prst="flowChartMerge">
@@ -16371,7 +16031,7 @@
         </p:nvSpPr>
         <p:spPr>
           <a:xfrm>
-            <a:off x="9522868" y="5348029"/>
+            <a:off x="9970043" y="5365354"/>
             <a:ext cx="129309" cy="110837"/>
           </a:xfrm>
           <a:prstGeom prst="flowChartMerge">
@@ -16460,6 +16120,276 @@
         <p:spPr>
           <a:xfrm>
             <a:off x="11887250" y="5368671"/>
+            <a:ext cx="129309" cy="110837"/>
+          </a:xfrm>
+          <a:prstGeom prst="flowChartMerge">
+            <a:avLst/>
+          </a:prstGeom>
+        </p:spPr>
+        <p:style>
+          <a:lnRef idx="2">
+            <a:schemeClr val="accent6"/>
+          </a:lnRef>
+          <a:fillRef idx="1">
+            <a:schemeClr val="lt1"/>
+          </a:fillRef>
+          <a:effectRef idx="0">
+            <a:schemeClr val="accent6"/>
+          </a:effectRef>
+          <a:fontRef idx="minor">
+            <a:schemeClr val="dk1"/>
+          </a:fontRef>
+        </p:style>
+        <p:txBody>
+          <a:bodyPr rtlCol="0" anchor="ctr"/>
+          <a:lstStyle/>
+          <a:p>
+            <a:pPr algn="ctr"/>
+            <a:endParaRPr lang="en-US"/>
+          </a:p>
+        </p:txBody>
+      </p:sp>
+      <p:sp>
+        <p:nvSpPr>
+          <p:cNvPr id="78" name="Rectangle 77">
+            <a:extLst>
+              <a:ext uri="{FF2B5EF4-FFF2-40B4-BE49-F238E27FC236}">
+                <a16:creationId xmlns:a16="http://schemas.microsoft.com/office/drawing/2014/main" id="{09313584-DCCC-4952-8178-FE9AB331AAF8}"/>
+              </a:ext>
+            </a:extLst>
+          </p:cNvPr>
+          <p:cNvSpPr/>
+          <p:nvPr/>
+        </p:nvSpPr>
+        <p:spPr>
+          <a:xfrm>
+            <a:off x="5631867" y="2763994"/>
+            <a:ext cx="1590968" cy="375213"/>
+          </a:xfrm>
+          <a:prstGeom prst="rect">
+            <a:avLst/>
+          </a:prstGeom>
+        </p:spPr>
+        <p:style>
+          <a:lnRef idx="2">
+            <a:schemeClr val="accent6"/>
+          </a:lnRef>
+          <a:fillRef idx="1">
+            <a:schemeClr val="lt1"/>
+          </a:fillRef>
+          <a:effectRef idx="0">
+            <a:schemeClr val="accent6"/>
+          </a:effectRef>
+          <a:fontRef idx="minor">
+            <a:schemeClr val="dk1"/>
+          </a:fontRef>
+        </p:style>
+        <p:txBody>
+          <a:bodyPr rtlCol="0" anchor="ctr"/>
+          <a:lstStyle/>
+          <a:p>
+            <a:pPr algn="ctr"/>
+            <a:r>
+              <a:rPr lang="en-US" sz="1400"/>
+              <a:t>MR number</a:t>
+            </a:r>
+          </a:p>
+        </p:txBody>
+      </p:sp>
+      <p:sp>
+        <p:nvSpPr>
+          <p:cNvPr id="79" name="Rectangle 78">
+            <a:extLst>
+              <a:ext uri="{FF2B5EF4-FFF2-40B4-BE49-F238E27FC236}">
+                <a16:creationId xmlns:a16="http://schemas.microsoft.com/office/drawing/2014/main" id="{2FB4D5ED-F790-407A-8F25-016D16054F5F}"/>
+              </a:ext>
+            </a:extLst>
+          </p:cNvPr>
+          <p:cNvSpPr/>
+          <p:nvPr/>
+        </p:nvSpPr>
+        <p:spPr>
+          <a:xfrm>
+            <a:off x="7650019" y="2772118"/>
+            <a:ext cx="1847190" cy="331314"/>
+          </a:xfrm>
+          <a:prstGeom prst="rect">
+            <a:avLst/>
+          </a:prstGeom>
+        </p:spPr>
+        <p:style>
+          <a:lnRef idx="1">
+            <a:schemeClr val="accent3"/>
+          </a:lnRef>
+          <a:fillRef idx="2">
+            <a:schemeClr val="accent3"/>
+          </a:fillRef>
+          <a:effectRef idx="1">
+            <a:schemeClr val="accent3"/>
+          </a:effectRef>
+          <a:fontRef idx="minor">
+            <a:schemeClr val="dk1"/>
+          </a:fontRef>
+        </p:style>
+        <p:txBody>
+          <a:bodyPr rtlCol="0" anchor="ctr"/>
+          <a:lstStyle/>
+          <a:p>
+            <a:pPr algn="ctr"/>
+            <a:endParaRPr lang="en-US"/>
+          </a:p>
+        </p:txBody>
+      </p:sp>
+      <p:sp>
+        <p:nvSpPr>
+          <p:cNvPr id="62" name="Rectangle 61">
+            <a:extLst>
+              <a:ext uri="{FF2B5EF4-FFF2-40B4-BE49-F238E27FC236}">
+                <a16:creationId xmlns:a16="http://schemas.microsoft.com/office/drawing/2014/main" id="{35C6605C-A04E-47BF-B692-406F6FFD3AF0}"/>
+              </a:ext>
+            </a:extLst>
+          </p:cNvPr>
+          <p:cNvSpPr/>
+          <p:nvPr/>
+        </p:nvSpPr>
+        <p:spPr>
+          <a:xfrm>
+            <a:off x="305512" y="3193057"/>
+            <a:ext cx="1380914" cy="338266"/>
+          </a:xfrm>
+          <a:prstGeom prst="rect">
+            <a:avLst/>
+          </a:prstGeom>
+        </p:spPr>
+        <p:style>
+          <a:lnRef idx="2">
+            <a:schemeClr val="accent6"/>
+          </a:lnRef>
+          <a:fillRef idx="1">
+            <a:schemeClr val="lt1"/>
+          </a:fillRef>
+          <a:effectRef idx="0">
+            <a:schemeClr val="accent6"/>
+          </a:effectRef>
+          <a:fontRef idx="minor">
+            <a:schemeClr val="dk1"/>
+          </a:fontRef>
+        </p:style>
+        <p:txBody>
+          <a:bodyPr rtlCol="0" anchor="ctr"/>
+          <a:lstStyle/>
+          <a:p>
+            <a:pPr algn="ctr"/>
+            <a:r>
+              <a:rPr lang="en-US" sz="1400"/>
+              <a:t>Auth ID</a:t>
+            </a:r>
+          </a:p>
+        </p:txBody>
+      </p:sp>
+      <p:sp>
+        <p:nvSpPr>
+          <p:cNvPr id="63" name="Rectangle 62">
+            <a:extLst>
+              <a:ext uri="{FF2B5EF4-FFF2-40B4-BE49-F238E27FC236}">
+                <a16:creationId xmlns:a16="http://schemas.microsoft.com/office/drawing/2014/main" id="{4B40A271-81D6-492D-AF55-4C44ACB0C2AB}"/>
+              </a:ext>
+            </a:extLst>
+          </p:cNvPr>
+          <p:cNvSpPr/>
+          <p:nvPr/>
+        </p:nvSpPr>
+        <p:spPr>
+          <a:xfrm>
+            <a:off x="2208204" y="3197389"/>
+            <a:ext cx="1773382" cy="338266"/>
+          </a:xfrm>
+          <a:prstGeom prst="rect">
+            <a:avLst/>
+          </a:prstGeom>
+        </p:spPr>
+        <p:style>
+          <a:lnRef idx="1">
+            <a:schemeClr val="accent3"/>
+          </a:lnRef>
+          <a:fillRef idx="2">
+            <a:schemeClr val="accent3"/>
+          </a:fillRef>
+          <a:effectRef idx="1">
+            <a:schemeClr val="accent3"/>
+          </a:effectRef>
+          <a:fontRef idx="minor">
+            <a:schemeClr val="dk1"/>
+          </a:fontRef>
+        </p:style>
+        <p:txBody>
+          <a:bodyPr rtlCol="0" anchor="ctr"/>
+          <a:lstStyle/>
+          <a:p>
+            <a:pPr algn="ctr"/>
+            <a:endParaRPr lang="en-US"/>
+          </a:p>
+        </p:txBody>
+      </p:sp>
+      <p:sp>
+        <p:nvSpPr>
+          <p:cNvPr id="64" name="Flowchart: Merge 63">
+            <a:extLst>
+              <a:ext uri="{FF2B5EF4-FFF2-40B4-BE49-F238E27FC236}">
+                <a16:creationId xmlns:a16="http://schemas.microsoft.com/office/drawing/2014/main" id="{0D6935FC-B219-49CA-B4D7-3EFE2C45908A}"/>
+              </a:ext>
+            </a:extLst>
+          </p:cNvPr>
+          <p:cNvSpPr/>
+          <p:nvPr/>
+        </p:nvSpPr>
+        <p:spPr>
+          <a:xfrm>
+            <a:off x="7885537" y="5345097"/>
+            <a:ext cx="129309" cy="110837"/>
+          </a:xfrm>
+          <a:prstGeom prst="flowChartMerge">
+            <a:avLst/>
+          </a:prstGeom>
+        </p:spPr>
+        <p:style>
+          <a:lnRef idx="2">
+            <a:schemeClr val="accent6"/>
+          </a:lnRef>
+          <a:fillRef idx="1">
+            <a:schemeClr val="lt1"/>
+          </a:fillRef>
+          <a:effectRef idx="0">
+            <a:schemeClr val="accent6"/>
+          </a:effectRef>
+          <a:fontRef idx="minor">
+            <a:schemeClr val="dk1"/>
+          </a:fontRef>
+        </p:style>
+        <p:txBody>
+          <a:bodyPr rtlCol="0" anchor="ctr"/>
+          <a:lstStyle/>
+          <a:p>
+            <a:pPr algn="ctr"/>
+            <a:endParaRPr lang="en-US"/>
+          </a:p>
+        </p:txBody>
+      </p:sp>
+      <p:sp>
+        <p:nvSpPr>
+          <p:cNvPr id="80" name="Flowchart: Merge 79">
+            <a:extLst>
+              <a:ext uri="{FF2B5EF4-FFF2-40B4-BE49-F238E27FC236}">
+                <a16:creationId xmlns:a16="http://schemas.microsoft.com/office/drawing/2014/main" id="{C7401AB4-3E81-405A-8DB7-9687B263032C}"/>
+              </a:ext>
+            </a:extLst>
+          </p:cNvPr>
+          <p:cNvSpPr/>
+          <p:nvPr/>
+        </p:nvSpPr>
+        <p:spPr>
+          <a:xfrm>
+            <a:off x="5013847" y="5365354"/>
             <a:ext cx="129309" cy="110837"/>
           </a:xfrm>
           <a:prstGeom prst="flowChartMerge">
@@ -26691,14 +26621,14 @@
           <p:nvPr>
             <p:extLst>
               <p:ext uri="{D42A27DB-BD31-4B8C-83A1-F6EECF244321}">
-                <p14:modId xmlns:p14="http://schemas.microsoft.com/office/powerpoint/2010/main" val="1887413166"/>
+                <p14:modId xmlns:p14="http://schemas.microsoft.com/office/powerpoint/2010/main" val="761812613"/>
               </p:ext>
             </p:extLst>
           </p:nvPr>
         </p:nvGraphicFramePr>
         <p:xfrm>
-          <a:off x="3010306" y="1544975"/>
-          <a:ext cx="6198280" cy="2595880"/>
+          <a:off x="4236720" y="1611910"/>
+          <a:ext cx="4279766" cy="2352040"/>
         </p:xfrm>
         <a:graphic>
           <a:graphicData uri="http://schemas.openxmlformats.org/drawingml/2006/table">
@@ -26711,13 +26641,6 @@
                   <a:extLst>
                     <a:ext uri="{9D8B030D-6E8A-4147-A177-3AD203B41FA5}">
                       <a16:colId xmlns:a16="http://schemas.microsoft.com/office/drawing/2014/main" val="3453244551"/>
-                    </a:ext>
-                  </a:extLst>
-                </a:gridCol>
-                <a:gridCol w="1918514">
-                  <a:extLst>
-                    <a:ext uri="{9D8B030D-6E8A-4147-A177-3AD203B41FA5}">
-                      <a16:colId xmlns:a16="http://schemas.microsoft.com/office/drawing/2014/main" val="4016041592"/>
                     </a:ext>
                   </a:extLst>
                 </a:gridCol>
@@ -26739,20 +26662,6 @@
                       <a:r>
                         <a:rPr lang="en-US" sz="1600"/>
                         <a:t>Connection Name</a:t>
-                      </a:r>
-                    </a:p>
-                  </a:txBody>
-                  <a:tcPr/>
-                </a:tc>
-                <a:tc>
-                  <a:txBody>
-                    <a:bodyPr/>
-                    <a:lstStyle/>
-                    <a:p>
-                      <a:pPr algn="ctr"/>
-                      <a:r>
-                        <a:rPr lang="en-US" sz="1600"/>
-                        <a:t>Admin</a:t>
                       </a:r>
                     </a:p>
                   </a:txBody>
@@ -26807,35 +26716,6 @@
                       </a:r>
                     </a:p>
                     <a:p>
-                      <a:endParaRPr lang="en-US" sz="1600"/>
-                    </a:p>
-                  </a:txBody>
-                  <a:tcPr/>
-                </a:tc>
-                <a:tc>
-                  <a:txBody>
-                    <a:bodyPr/>
-                    <a:lstStyle/>
-                    <a:p>
-                      <a:r>
-                        <a:rPr lang="en-US" sz="1600"/>
-                        <a:t>Server: </a:t>
-                      </a:r>
-                      <a:r>
-                        <a:rPr lang="en-US" sz="1600" err="1"/>
-                        <a:t>nhdev-sql</a:t>
-                      </a:r>
-                      <a:endParaRPr lang="en-US" sz="1600"/>
-                    </a:p>
-                    <a:p>
-                      <a:r>
-                        <a:rPr lang="en-US" sz="1600"/>
-                        <a:t>Database name: </a:t>
-                      </a:r>
-                      <a:r>
-                        <a:rPr lang="en-US" sz="1600" err="1"/>
-                        <a:t>NHOMEADMIN5</a:t>
-                      </a:r>
                       <a:endParaRPr lang="en-US" sz="1600"/>
                     </a:p>
                   </a:txBody>
@@ -26935,35 +26815,6 @@
                     <a:bodyPr/>
                     <a:lstStyle/>
                     <a:p>
-                      <a:r>
-                        <a:rPr lang="en-US" sz="1600"/>
-                        <a:t>Server: </a:t>
-                      </a:r>
-                      <a:r>
-                        <a:rPr lang="en-US" sz="1600" err="1"/>
-                        <a:t>nhdev-sql</a:t>
-                      </a:r>
-                      <a:endParaRPr lang="en-US" sz="1600"/>
-                    </a:p>
-                    <a:p>
-                      <a:r>
-                        <a:rPr lang="en-US" sz="1600"/>
-                        <a:t>Database name: </a:t>
-                      </a:r>
-                      <a:r>
-                        <a:rPr lang="en-US" sz="1600" err="1"/>
-                        <a:t>NHOMEADMIN5</a:t>
-                      </a:r>
-                      <a:endParaRPr lang="en-US" sz="1600"/>
-                    </a:p>
-                  </a:txBody>
-                  <a:tcPr/>
-                </a:tc>
-                <a:tc>
-                  <a:txBody>
-                    <a:bodyPr/>
-                    <a:lstStyle/>
-                    <a:p>
                       <a:pPr marL="0" marR="0" lvl="0" indent="0" algn="l" defTabSz="914400" rtl="0" eaLnBrk="1" fontAlgn="auto" latinLnBrk="0" hangingPunct="1">
                         <a:lnSpc>
                           <a:spcPct val="100000"/>
@@ -27035,16 +26886,6 @@
                   </a:txBody>
                   <a:tcPr/>
                 </a:tc>
-                <a:tc>
-                  <a:txBody>
-                    <a:bodyPr/>
-                    <a:lstStyle/>
-                    <a:p>
-                      <a:endParaRPr lang="en-US"/>
-                    </a:p>
-                  </a:txBody>
-                  <a:tcPr/>
-                </a:tc>
                 <a:extLst>
                   <a:ext uri="{0D108BD9-81ED-4DB2-BD59-A6C34878D82A}">
                     <a16:rowId xmlns:a16="http://schemas.microsoft.com/office/drawing/2014/main" val="1836068403"/>
@@ -27931,14 +27772,14 @@
           <p:nvPr>
             <p:extLst>
               <p:ext uri="{D42A27DB-BD31-4B8C-83A1-F6EECF244321}">
-                <p14:modId xmlns:p14="http://schemas.microsoft.com/office/powerpoint/2010/main" val="825228306"/>
+                <p14:modId xmlns:p14="http://schemas.microsoft.com/office/powerpoint/2010/main" val="2809091840"/>
               </p:ext>
             </p:extLst>
           </p:nvPr>
         </p:nvGraphicFramePr>
         <p:xfrm>
-          <a:off x="3142386" y="1505854"/>
-          <a:ext cx="5358631" cy="2595880"/>
+          <a:off x="4619528" y="1490762"/>
+          <a:ext cx="3327407" cy="2595880"/>
         </p:xfrm>
         <a:graphic>
           <a:graphicData uri="http://schemas.openxmlformats.org/drawingml/2006/table">
@@ -27951,13 +27792,6 @@
                   <a:extLst>
                     <a:ext uri="{9D8B030D-6E8A-4147-A177-3AD203B41FA5}">
                       <a16:colId xmlns:a16="http://schemas.microsoft.com/office/drawing/2014/main" val="2829467303"/>
-                    </a:ext>
-                  </a:extLst>
-                </a:gridCol>
-                <a:gridCol w="2031224">
-                  <a:extLst>
-                    <a:ext uri="{9D8B030D-6E8A-4147-A177-3AD203B41FA5}">
-                      <a16:colId xmlns:a16="http://schemas.microsoft.com/office/drawing/2014/main" val="4016041592"/>
                     </a:ext>
                   </a:extLst>
                 </a:gridCol>
@@ -28007,20 +27841,6 @@
                     <a:p>
                       <a:pPr algn="ctr"/>
                       <a:r>
-                        <a:rPr lang="en-US" sz="1600"/>
-                        <a:t>Admin</a:t>
-                      </a:r>
-                    </a:p>
-                  </a:txBody>
-                  <a:tcPr/>
-                </a:tc>
-                <a:tc>
-                  <a:txBody>
-                    <a:bodyPr/>
-                    <a:lstStyle/>
-                    <a:p>
-                      <a:pPr algn="ctr"/>
-                      <a:r>
                         <a:rPr lang="en-US" sz="1600" err="1"/>
                         <a:t>HHAX</a:t>
                       </a:r>
@@ -28053,35 +27873,6 @@
                         <a:rPr lang="en-US" sz="1600"/>
                         <a:t>HHAX dev</a:t>
                       </a:r>
-                    </a:p>
-                  </a:txBody>
-                  <a:tcPr/>
-                </a:tc>
-                <a:tc>
-                  <a:txBody>
-                    <a:bodyPr/>
-                    <a:lstStyle/>
-                    <a:p>
-                      <a:r>
-                        <a:rPr lang="en-US" sz="1600"/>
-                        <a:t>Server: </a:t>
-                      </a:r>
-                      <a:r>
-                        <a:rPr lang="en-US" sz="1600" err="1"/>
-                        <a:t>nhdev-sql</a:t>
-                      </a:r>
-                      <a:endParaRPr lang="en-US" sz="1600"/>
-                    </a:p>
-                    <a:p>
-                      <a:r>
-                        <a:rPr lang="en-US" sz="1600"/>
-                        <a:t>Database name: </a:t>
-                      </a:r>
-                      <a:r>
-                        <a:rPr lang="en-US" sz="1600" err="1"/>
-                        <a:t>NHOMEADMIN5</a:t>
-                      </a:r>
-                      <a:endParaRPr lang="en-US" sz="1600"/>
                     </a:p>
                   </a:txBody>
                   <a:tcPr/>
@@ -28148,35 +27939,6 @@
                         <a:rPr lang="en-US" sz="1600"/>
                         <a:t>HHAX demo</a:t>
                       </a:r>
-                    </a:p>
-                  </a:txBody>
-                  <a:tcPr/>
-                </a:tc>
-                <a:tc>
-                  <a:txBody>
-                    <a:bodyPr/>
-                    <a:lstStyle/>
-                    <a:p>
-                      <a:r>
-                        <a:rPr lang="en-US" sz="1600"/>
-                        <a:t>Server: </a:t>
-                      </a:r>
-                      <a:r>
-                        <a:rPr lang="en-US" sz="1600" err="1"/>
-                        <a:t>nhdemo-sql</a:t>
-                      </a:r>
-                      <a:endParaRPr lang="en-US" sz="1600"/>
-                    </a:p>
-                    <a:p>
-                      <a:r>
-                        <a:rPr lang="en-US" sz="1600"/>
-                        <a:t>Database name: </a:t>
-                      </a:r>
-                      <a:r>
-                        <a:rPr lang="en-US" sz="1600" err="1"/>
-                        <a:t>NHOMEADMIN5</a:t>
-                      </a:r>
-                      <a:endParaRPr lang="en-US" sz="1600"/>
                     </a:p>
                   </a:txBody>
                   <a:tcPr/>
@@ -28254,16 +28016,6 @@
                   </a:txBody>
                   <a:tcPr/>
                 </a:tc>
-                <a:tc>
-                  <a:txBody>
-                    <a:bodyPr/>
-                    <a:lstStyle/>
-                    <a:p>
-                      <a:endParaRPr lang="en-US"/>
-                    </a:p>
-                  </a:txBody>
-                  <a:tcPr/>
-                </a:tc>
                 <a:extLst>
                   <a:ext uri="{0D108BD9-81ED-4DB2-BD59-A6C34878D82A}">
                     <a16:rowId xmlns:a16="http://schemas.microsoft.com/office/drawing/2014/main" val="1836068403"/>
@@ -29049,14 +28801,14 @@
           <p:nvPr>
             <p:extLst>
               <p:ext uri="{D42A27DB-BD31-4B8C-83A1-F6EECF244321}">
-                <p14:modId xmlns:p14="http://schemas.microsoft.com/office/powerpoint/2010/main" val="4268038843"/>
+                <p14:modId xmlns:p14="http://schemas.microsoft.com/office/powerpoint/2010/main" val="90275386"/>
               </p:ext>
             </p:extLst>
           </p:nvPr>
         </p:nvGraphicFramePr>
         <p:xfrm>
-          <a:off x="221673" y="1551730"/>
-          <a:ext cx="5424148" cy="2595880"/>
+          <a:off x="1028534" y="1475053"/>
+          <a:ext cx="3696948" cy="2595880"/>
         </p:xfrm>
         <a:graphic>
           <a:graphicData uri="http://schemas.openxmlformats.org/drawingml/2006/table">
@@ -29069,13 +28821,6 @@
                   <a:extLst>
                     <a:ext uri="{9D8B030D-6E8A-4147-A177-3AD203B41FA5}">
                       <a16:colId xmlns:a16="http://schemas.microsoft.com/office/drawing/2014/main" val="3453244551"/>
-                    </a:ext>
-                  </a:extLst>
-                </a:gridCol>
-                <a:gridCol w="1727200">
-                  <a:extLst>
-                    <a:ext uri="{9D8B030D-6E8A-4147-A177-3AD203B41FA5}">
-                      <a16:colId xmlns:a16="http://schemas.microsoft.com/office/drawing/2014/main" val="4016041592"/>
                     </a:ext>
                   </a:extLst>
                 </a:gridCol>
@@ -29097,20 +28842,6 @@
                       <a:r>
                         <a:rPr lang="en-US" sz="1600"/>
                         <a:t>Connection Name</a:t>
-                      </a:r>
-                    </a:p>
-                  </a:txBody>
-                  <a:tcPr/>
-                </a:tc>
-                <a:tc>
-                  <a:txBody>
-                    <a:bodyPr/>
-                    <a:lstStyle/>
-                    <a:p>
-                      <a:pPr algn="ctr"/>
-                      <a:r>
-                        <a:rPr lang="en-US" sz="1600"/>
-                        <a:t>Admin</a:t>
                       </a:r>
                     </a:p>
                   </a:txBody>
@@ -29165,35 +28896,6 @@
                       </a:r>
                     </a:p>
                     <a:p>
-                      <a:endParaRPr lang="en-US" sz="1600"/>
-                    </a:p>
-                  </a:txBody>
-                  <a:tcPr/>
-                </a:tc>
-                <a:tc>
-                  <a:txBody>
-                    <a:bodyPr/>
-                    <a:lstStyle/>
-                    <a:p>
-                      <a:r>
-                        <a:rPr lang="en-US" sz="1600"/>
-                        <a:t>Server: </a:t>
-                      </a:r>
-                      <a:r>
-                        <a:rPr lang="en-US" sz="1600" err="1"/>
-                        <a:t>nhdev-sql</a:t>
-                      </a:r>
-                      <a:endParaRPr lang="en-US" sz="1600"/>
-                    </a:p>
-                    <a:p>
-                      <a:r>
-                        <a:rPr lang="en-US" sz="1600"/>
-                        <a:t>Database name: </a:t>
-                      </a:r>
-                      <a:r>
-                        <a:rPr lang="en-US" sz="1600" err="1"/>
-                        <a:t>NHOMEADMIN5</a:t>
-                      </a:r>
                       <a:endParaRPr lang="en-US" sz="1600"/>
                     </a:p>
                   </a:txBody>
@@ -29293,35 +28995,6 @@
                     <a:bodyPr/>
                     <a:lstStyle/>
                     <a:p>
-                      <a:r>
-                        <a:rPr lang="en-US" sz="1600"/>
-                        <a:t>Server: </a:t>
-                      </a:r>
-                      <a:r>
-                        <a:rPr lang="en-US" sz="1600" err="1"/>
-                        <a:t>nhdev-sql</a:t>
-                      </a:r>
-                      <a:endParaRPr lang="en-US" sz="1600"/>
-                    </a:p>
-                    <a:p>
-                      <a:r>
-                        <a:rPr lang="en-US" sz="1600"/>
-                        <a:t>Database name: </a:t>
-                      </a:r>
-                      <a:r>
-                        <a:rPr lang="en-US" sz="1600" err="1"/>
-                        <a:t>NHOMEADMIN5</a:t>
-                      </a:r>
-                      <a:endParaRPr lang="en-US" sz="1600"/>
-                    </a:p>
-                  </a:txBody>
-                  <a:tcPr/>
-                </a:tc>
-                <a:tc>
-                  <a:txBody>
-                    <a:bodyPr/>
-                    <a:lstStyle/>
-                    <a:p>
                       <a:pPr marL="0" marR="0" lvl="0" indent="0" algn="l" defTabSz="914400" rtl="0" eaLnBrk="1" fontAlgn="auto" latinLnBrk="0" hangingPunct="1">
                         <a:lnSpc>
                           <a:spcPct val="100000"/>
@@ -29393,16 +29066,6 @@
                   </a:txBody>
                   <a:tcPr/>
                 </a:tc>
-                <a:tc>
-                  <a:txBody>
-                    <a:bodyPr/>
-                    <a:lstStyle/>
-                    <a:p>
-                      <a:endParaRPr lang="en-US"/>
-                    </a:p>
-                  </a:txBody>
-                  <a:tcPr/>
-                </a:tc>
                 <a:extLst>
                   <a:ext uri="{0D108BD9-81ED-4DB2-BD59-A6C34878D82A}">
                     <a16:rowId xmlns:a16="http://schemas.microsoft.com/office/drawing/2014/main" val="1836068403"/>
@@ -29428,14 +29091,14 @@
           <p:nvPr>
             <p:extLst>
               <p:ext uri="{D42A27DB-BD31-4B8C-83A1-F6EECF244321}">
-                <p14:modId xmlns:p14="http://schemas.microsoft.com/office/powerpoint/2010/main" val="1799895427"/>
+                <p14:modId xmlns:p14="http://schemas.microsoft.com/office/powerpoint/2010/main" val="2967179320"/>
               </p:ext>
             </p:extLst>
           </p:nvPr>
         </p:nvGraphicFramePr>
         <p:xfrm>
-          <a:off x="6274632" y="1493449"/>
-          <a:ext cx="5358631" cy="2595880"/>
+          <a:off x="7463013" y="1475053"/>
+          <a:ext cx="3539991" cy="2595880"/>
         </p:xfrm>
         <a:graphic>
           <a:graphicData uri="http://schemas.openxmlformats.org/drawingml/2006/table">
@@ -29448,13 +29111,6 @@
                   <a:extLst>
                     <a:ext uri="{9D8B030D-6E8A-4147-A177-3AD203B41FA5}">
                       <a16:colId xmlns:a16="http://schemas.microsoft.com/office/drawing/2014/main" val="2829467303"/>
-                    </a:ext>
-                  </a:extLst>
-                </a:gridCol>
-                <a:gridCol w="1818640">
-                  <a:extLst>
-                    <a:ext uri="{9D8B030D-6E8A-4147-A177-3AD203B41FA5}">
-                      <a16:colId xmlns:a16="http://schemas.microsoft.com/office/drawing/2014/main" val="4016041592"/>
                     </a:ext>
                   </a:extLst>
                 </a:gridCol>
@@ -29504,20 +29160,6 @@
                     <a:p>
                       <a:pPr algn="ctr"/>
                       <a:r>
-                        <a:rPr lang="en-US" sz="1600"/>
-                        <a:t>Admin</a:t>
-                      </a:r>
-                    </a:p>
-                  </a:txBody>
-                  <a:tcPr/>
-                </a:tc>
-                <a:tc>
-                  <a:txBody>
-                    <a:bodyPr/>
-                    <a:lstStyle/>
-                    <a:p>
-                      <a:pPr algn="ctr"/>
-                      <a:r>
                         <a:rPr lang="en-US" sz="1600" err="1"/>
                         <a:t>HHAX</a:t>
                       </a:r>
@@ -29550,35 +29192,6 @@
                         <a:rPr lang="en-US" sz="1600"/>
                         <a:t>HHAX dev</a:t>
                       </a:r>
-                    </a:p>
-                  </a:txBody>
-                  <a:tcPr/>
-                </a:tc>
-                <a:tc>
-                  <a:txBody>
-                    <a:bodyPr/>
-                    <a:lstStyle/>
-                    <a:p>
-                      <a:r>
-                        <a:rPr lang="en-US" sz="1600"/>
-                        <a:t>Server: </a:t>
-                      </a:r>
-                      <a:r>
-                        <a:rPr lang="en-US" sz="1600" err="1"/>
-                        <a:t>nhdev-sql</a:t>
-                      </a:r>
-                      <a:endParaRPr lang="en-US" sz="1600"/>
-                    </a:p>
-                    <a:p>
-                      <a:r>
-                        <a:rPr lang="en-US" sz="1600"/>
-                        <a:t>Database name: </a:t>
-                      </a:r>
-                      <a:r>
-                        <a:rPr lang="en-US" sz="1600" err="1"/>
-                        <a:t>NHOMEADMIN5</a:t>
-                      </a:r>
-                      <a:endParaRPr lang="en-US" sz="1600"/>
                     </a:p>
                   </a:txBody>
                   <a:tcPr/>
@@ -29645,35 +29258,6 @@
                         <a:rPr lang="en-US" sz="1600"/>
                         <a:t>HHAX demo</a:t>
                       </a:r>
-                    </a:p>
-                  </a:txBody>
-                  <a:tcPr/>
-                </a:tc>
-                <a:tc>
-                  <a:txBody>
-                    <a:bodyPr/>
-                    <a:lstStyle/>
-                    <a:p>
-                      <a:r>
-                        <a:rPr lang="en-US" sz="1600"/>
-                        <a:t>Server: </a:t>
-                      </a:r>
-                      <a:r>
-                        <a:rPr lang="en-US" sz="1600" err="1"/>
-                        <a:t>nhdemo-sql</a:t>
-                      </a:r>
-                      <a:endParaRPr lang="en-US" sz="1600"/>
-                    </a:p>
-                    <a:p>
-                      <a:r>
-                        <a:rPr lang="en-US" sz="1600"/>
-                        <a:t>Database name: </a:t>
-                      </a:r>
-                      <a:r>
-                        <a:rPr lang="en-US" sz="1600" err="1"/>
-                        <a:t>NHOMEADMIN5</a:t>
-                      </a:r>
-                      <a:endParaRPr lang="en-US" sz="1600"/>
                     </a:p>
                   </a:txBody>
                   <a:tcPr/>
@@ -29751,16 +29335,6 @@
                   </a:txBody>
                   <a:tcPr/>
                 </a:tc>
-                <a:tc>
-                  <a:txBody>
-                    <a:bodyPr/>
-                    <a:lstStyle/>
-                    <a:p>
-                      <a:endParaRPr lang="en-US"/>
-                    </a:p>
-                  </a:txBody>
-                  <a:tcPr/>
-                </a:tc>
                 <a:extLst>
                   <a:ext uri="{0D108BD9-81ED-4DB2-BD59-A6C34878D82A}">
                     <a16:rowId xmlns:a16="http://schemas.microsoft.com/office/drawing/2014/main" val="1836068403"/>
@@ -29851,287 +29425,6 @@
       </p:sp>
       <p:sp>
         <p:nvSpPr>
-          <p:cNvPr id="3" name="Rounded Rectangle 2"/>
-          <p:cNvSpPr/>
-          <p:nvPr/>
-        </p:nvSpPr>
-        <p:spPr>
-          <a:xfrm>
-            <a:off x="485340" y="2376140"/>
-            <a:ext cx="1814897" cy="347652"/>
-          </a:xfrm>
-          <a:prstGeom prst="roundRect">
-            <a:avLst/>
-          </a:prstGeom>
-        </p:spPr>
-        <p:style>
-          <a:lnRef idx="2">
-            <a:schemeClr val="accent6"/>
-          </a:lnRef>
-          <a:fillRef idx="1">
-            <a:schemeClr val="lt1"/>
-          </a:fillRef>
-          <a:effectRef idx="0">
-            <a:schemeClr val="accent6"/>
-          </a:effectRef>
-          <a:fontRef idx="minor">
-            <a:schemeClr val="dk1"/>
-          </a:fontRef>
-        </p:style>
-        <p:txBody>
-          <a:bodyPr rtlCol="0" anchor="ctr"/>
-          <a:lstStyle/>
-          <a:p>
-            <a:pPr algn="ctr"/>
-            <a:r>
-              <a:rPr lang="en-US"/>
-              <a:t>Server name:</a:t>
-            </a:r>
-          </a:p>
-        </p:txBody>
-      </p:sp>
-      <p:sp>
-        <p:nvSpPr>
-          <p:cNvPr id="4" name="Rounded Rectangle 3"/>
-          <p:cNvSpPr/>
-          <p:nvPr/>
-        </p:nvSpPr>
-        <p:spPr>
-          <a:xfrm>
-            <a:off x="481895" y="3449031"/>
-            <a:ext cx="1814897" cy="347652"/>
-          </a:xfrm>
-          <a:prstGeom prst="roundRect">
-            <a:avLst/>
-          </a:prstGeom>
-        </p:spPr>
-        <p:style>
-          <a:lnRef idx="2">
-            <a:schemeClr val="accent6"/>
-          </a:lnRef>
-          <a:fillRef idx="1">
-            <a:schemeClr val="lt1"/>
-          </a:fillRef>
-          <a:effectRef idx="0">
-            <a:schemeClr val="accent6"/>
-          </a:effectRef>
-          <a:fontRef idx="minor">
-            <a:schemeClr val="dk1"/>
-          </a:fontRef>
-        </p:style>
-        <p:txBody>
-          <a:bodyPr rtlCol="0" anchor="ctr"/>
-          <a:lstStyle/>
-          <a:p>
-            <a:pPr algn="ctr"/>
-            <a:r>
-              <a:rPr lang="en-US"/>
-              <a:t>Login:</a:t>
-            </a:r>
-          </a:p>
-        </p:txBody>
-      </p:sp>
-      <p:sp>
-        <p:nvSpPr>
-          <p:cNvPr id="5" name="Rounded Rectangle 4"/>
-          <p:cNvSpPr/>
-          <p:nvPr/>
-        </p:nvSpPr>
-        <p:spPr>
-          <a:xfrm>
-            <a:off x="481895" y="4033677"/>
-            <a:ext cx="1823083" cy="347652"/>
-          </a:xfrm>
-          <a:prstGeom prst="roundRect">
-            <a:avLst/>
-          </a:prstGeom>
-        </p:spPr>
-        <p:style>
-          <a:lnRef idx="2">
-            <a:schemeClr val="accent6"/>
-          </a:lnRef>
-          <a:fillRef idx="1">
-            <a:schemeClr val="lt1"/>
-          </a:fillRef>
-          <a:effectRef idx="0">
-            <a:schemeClr val="accent6"/>
-          </a:effectRef>
-          <a:fontRef idx="minor">
-            <a:schemeClr val="dk1"/>
-          </a:fontRef>
-        </p:style>
-        <p:txBody>
-          <a:bodyPr rtlCol="0" anchor="ctr"/>
-          <a:lstStyle/>
-          <a:p>
-            <a:pPr algn="ctr"/>
-            <a:r>
-              <a:rPr lang="en-US"/>
-              <a:t>Password:</a:t>
-            </a:r>
-          </a:p>
-        </p:txBody>
-      </p:sp>
-      <p:sp>
-        <p:nvSpPr>
-          <p:cNvPr id="6" name="Rounded Rectangle 5"/>
-          <p:cNvSpPr/>
-          <p:nvPr/>
-        </p:nvSpPr>
-        <p:spPr>
-          <a:xfrm>
-            <a:off x="3039747" y="2376140"/>
-            <a:ext cx="2431640" cy="347652"/>
-          </a:xfrm>
-          <a:prstGeom prst="roundRect">
-            <a:avLst/>
-          </a:prstGeom>
-        </p:spPr>
-        <p:style>
-          <a:lnRef idx="1">
-            <a:schemeClr val="accent3"/>
-          </a:lnRef>
-          <a:fillRef idx="2">
-            <a:schemeClr val="accent3"/>
-          </a:fillRef>
-          <a:effectRef idx="1">
-            <a:schemeClr val="accent3"/>
-          </a:effectRef>
-          <a:fontRef idx="minor">
-            <a:schemeClr val="dk1"/>
-          </a:fontRef>
-        </p:style>
-        <p:txBody>
-          <a:bodyPr rtlCol="0" anchor="ctr"/>
-          <a:lstStyle/>
-          <a:p>
-            <a:pPr algn="ctr"/>
-            <a:endParaRPr lang="en-US"/>
-          </a:p>
-        </p:txBody>
-      </p:sp>
-      <p:sp>
-        <p:nvSpPr>
-          <p:cNvPr id="8" name="Rounded Rectangle 7"/>
-          <p:cNvSpPr/>
-          <p:nvPr/>
-        </p:nvSpPr>
-        <p:spPr>
-          <a:xfrm>
-            <a:off x="3036302" y="3469122"/>
-            <a:ext cx="2431640" cy="347652"/>
-          </a:xfrm>
-          <a:prstGeom prst="roundRect">
-            <a:avLst/>
-          </a:prstGeom>
-        </p:spPr>
-        <p:style>
-          <a:lnRef idx="1">
-            <a:schemeClr val="accent3"/>
-          </a:lnRef>
-          <a:fillRef idx="2">
-            <a:schemeClr val="accent3"/>
-          </a:fillRef>
-          <a:effectRef idx="1">
-            <a:schemeClr val="accent3"/>
-          </a:effectRef>
-          <a:fontRef idx="minor">
-            <a:schemeClr val="dk1"/>
-          </a:fontRef>
-        </p:style>
-        <p:txBody>
-          <a:bodyPr rtlCol="0" anchor="ctr"/>
-          <a:lstStyle/>
-          <a:p>
-            <a:pPr algn="ctr"/>
-            <a:endParaRPr lang="en-US"/>
-          </a:p>
-        </p:txBody>
-      </p:sp>
-      <p:sp>
-        <p:nvSpPr>
-          <p:cNvPr id="9" name="Rounded Rectangle 8"/>
-          <p:cNvSpPr/>
-          <p:nvPr/>
-        </p:nvSpPr>
-        <p:spPr>
-          <a:xfrm>
-            <a:off x="3036302" y="4033677"/>
-            <a:ext cx="2431640" cy="347652"/>
-          </a:xfrm>
-          <a:prstGeom prst="roundRect">
-            <a:avLst/>
-          </a:prstGeom>
-        </p:spPr>
-        <p:style>
-          <a:lnRef idx="1">
-            <a:schemeClr val="accent3"/>
-          </a:lnRef>
-          <a:fillRef idx="2">
-            <a:schemeClr val="accent3"/>
-          </a:fillRef>
-          <a:effectRef idx="1">
-            <a:schemeClr val="accent3"/>
-          </a:effectRef>
-          <a:fontRef idx="minor">
-            <a:schemeClr val="dk1"/>
-          </a:fontRef>
-        </p:style>
-        <p:txBody>
-          <a:bodyPr rtlCol="0" anchor="ctr"/>
-          <a:lstStyle/>
-          <a:p>
-            <a:pPr algn="ctr"/>
-            <a:endParaRPr lang="en-US"/>
-          </a:p>
-        </p:txBody>
-      </p:sp>
-      <p:sp>
-        <p:nvSpPr>
-          <p:cNvPr id="10" name="Rounded Rectangle 9"/>
-          <p:cNvSpPr/>
-          <p:nvPr/>
-        </p:nvSpPr>
-        <p:spPr>
-          <a:xfrm>
-            <a:off x="820946" y="1559065"/>
-            <a:ext cx="3766781" cy="757645"/>
-          </a:xfrm>
-          <a:prstGeom prst="roundRect">
-            <a:avLst/>
-          </a:prstGeom>
-          <a:ln>
-            <a:noFill/>
-          </a:ln>
-        </p:spPr>
-        <p:style>
-          <a:lnRef idx="2">
-            <a:schemeClr val="accent6"/>
-          </a:lnRef>
-          <a:fillRef idx="1">
-            <a:schemeClr val="lt1"/>
-          </a:fillRef>
-          <a:effectRef idx="0">
-            <a:schemeClr val="accent6"/>
-          </a:effectRef>
-          <a:fontRef idx="minor">
-            <a:schemeClr val="dk1"/>
-          </a:fontRef>
-        </p:style>
-        <p:txBody>
-          <a:bodyPr rtlCol="0" anchor="ctr"/>
-          <a:lstStyle/>
-          <a:p>
-            <a:pPr algn="ctr"/>
-            <a:r>
-              <a:rPr lang="en-US" b="1"/>
-              <a:t>Admin database</a:t>
-            </a:r>
-          </a:p>
-        </p:txBody>
-      </p:sp>
-      <p:sp>
-        <p:nvSpPr>
           <p:cNvPr id="11" name="Rounded Rectangle 10"/>
           <p:cNvSpPr/>
           <p:nvPr/>
@@ -30284,19 +29577,19 @@
       </p:sp>
       <p:sp>
         <p:nvSpPr>
-          <p:cNvPr id="16" name="Rounded Rectangle 2">
-            <a:extLst>
-              <a:ext uri="{FF2B5EF4-FFF2-40B4-BE49-F238E27FC236}">
-                <a16:creationId xmlns:a16="http://schemas.microsoft.com/office/drawing/2014/main" id="{A61F44AD-9025-42EA-B228-A64F06B4876D}"/>
-              </a:ext>
-            </a:extLst>
-          </p:cNvPr>
-          <p:cNvSpPr/>
-          <p:nvPr/>
-        </p:nvSpPr>
-        <p:spPr>
-          <a:xfrm>
-            <a:off x="490082" y="2910241"/>
+          <p:cNvPr id="19" name="Rounded Rectangle 3">
+            <a:extLst>
+              <a:ext uri="{FF2B5EF4-FFF2-40B4-BE49-F238E27FC236}">
+                <a16:creationId xmlns:a16="http://schemas.microsoft.com/office/drawing/2014/main" id="{AA22FD6F-15E5-4036-96FA-84970BE20878}"/>
+              </a:ext>
+            </a:extLst>
+          </p:cNvPr>
+          <p:cNvSpPr/>
+          <p:nvPr/>
+        </p:nvSpPr>
+        <p:spPr>
+          <a:xfrm>
+            <a:off x="3097624" y="3524765"/>
             <a:ext cx="1814897" cy="347652"/>
           </a:xfrm>
           <a:prstGeom prst="roundRect">
@@ -30324,26 +29617,73 @@
             <a:pPr algn="ctr"/>
             <a:r>
               <a:rPr lang="en-US"/>
-              <a:t>Database name:</a:t>
-            </a:r>
-          </a:p>
-        </p:txBody>
-      </p:sp>
-      <p:sp>
-        <p:nvSpPr>
-          <p:cNvPr id="17" name="Rounded Rectangle 5">
-            <a:extLst>
-              <a:ext uri="{FF2B5EF4-FFF2-40B4-BE49-F238E27FC236}">
-                <a16:creationId xmlns:a16="http://schemas.microsoft.com/office/drawing/2014/main" id="{BD3B897B-3C9F-41C3-A447-E94948B97A1B}"/>
-              </a:ext>
-            </a:extLst>
-          </p:cNvPr>
-          <p:cNvSpPr/>
-          <p:nvPr/>
-        </p:nvSpPr>
-        <p:spPr>
-          <a:xfrm>
-            <a:off x="3036302" y="2910241"/>
+              <a:t>Login:</a:t>
+            </a:r>
+          </a:p>
+        </p:txBody>
+      </p:sp>
+      <p:sp>
+        <p:nvSpPr>
+          <p:cNvPr id="20" name="Rounded Rectangle 4">
+            <a:extLst>
+              <a:ext uri="{FF2B5EF4-FFF2-40B4-BE49-F238E27FC236}">
+                <a16:creationId xmlns:a16="http://schemas.microsoft.com/office/drawing/2014/main" id="{ABFD6F99-8786-4C2D-BFBC-78893033E7B2}"/>
+              </a:ext>
+            </a:extLst>
+          </p:cNvPr>
+          <p:cNvSpPr/>
+          <p:nvPr/>
+        </p:nvSpPr>
+        <p:spPr>
+          <a:xfrm>
+            <a:off x="3097624" y="4109411"/>
+            <a:ext cx="1823083" cy="347652"/>
+          </a:xfrm>
+          <a:prstGeom prst="roundRect">
+            <a:avLst/>
+          </a:prstGeom>
+        </p:spPr>
+        <p:style>
+          <a:lnRef idx="2">
+            <a:schemeClr val="accent6"/>
+          </a:lnRef>
+          <a:fillRef idx="1">
+            <a:schemeClr val="lt1"/>
+          </a:fillRef>
+          <a:effectRef idx="0">
+            <a:schemeClr val="accent6"/>
+          </a:effectRef>
+          <a:fontRef idx="minor">
+            <a:schemeClr val="dk1"/>
+          </a:fontRef>
+        </p:style>
+        <p:txBody>
+          <a:bodyPr rtlCol="0" anchor="ctr"/>
+          <a:lstStyle/>
+          <a:p>
+            <a:pPr algn="ctr"/>
+            <a:r>
+              <a:rPr lang="en-US"/>
+              <a:t>Password:</a:t>
+            </a:r>
+          </a:p>
+        </p:txBody>
+      </p:sp>
+      <p:sp>
+        <p:nvSpPr>
+          <p:cNvPr id="22" name="Rounded Rectangle 7">
+            <a:extLst>
+              <a:ext uri="{FF2B5EF4-FFF2-40B4-BE49-F238E27FC236}">
+                <a16:creationId xmlns:a16="http://schemas.microsoft.com/office/drawing/2014/main" id="{CB642750-5A3F-41B5-9681-6317A9517D93}"/>
+              </a:ext>
+            </a:extLst>
+          </p:cNvPr>
+          <p:cNvSpPr/>
+          <p:nvPr/>
+        </p:nvSpPr>
+        <p:spPr>
+          <a:xfrm>
+            <a:off x="5652031" y="3544856"/>
             <a:ext cx="2431640" cy="347652"/>
           </a:xfrm>
           <a:prstGeom prst="roundRect">
@@ -30375,19 +29715,63 @@
       </p:sp>
       <p:sp>
         <p:nvSpPr>
-          <p:cNvPr id="18" name="Rounded Rectangle 2">
-            <a:extLst>
-              <a:ext uri="{FF2B5EF4-FFF2-40B4-BE49-F238E27FC236}">
-                <a16:creationId xmlns:a16="http://schemas.microsoft.com/office/drawing/2014/main" id="{7F39F619-1B92-439E-964F-AD729B6437DE}"/>
-              </a:ext>
-            </a:extLst>
-          </p:cNvPr>
-          <p:cNvSpPr/>
-          <p:nvPr/>
-        </p:nvSpPr>
-        <p:spPr>
-          <a:xfrm>
-            <a:off x="5971740" y="2395740"/>
+          <p:cNvPr id="23" name="Rounded Rectangle 8">
+            <a:extLst>
+              <a:ext uri="{FF2B5EF4-FFF2-40B4-BE49-F238E27FC236}">
+                <a16:creationId xmlns:a16="http://schemas.microsoft.com/office/drawing/2014/main" id="{84A466F9-549A-4039-8935-70C5996A7D07}"/>
+              </a:ext>
+            </a:extLst>
+          </p:cNvPr>
+          <p:cNvSpPr/>
+          <p:nvPr/>
+        </p:nvSpPr>
+        <p:spPr>
+          <a:xfrm>
+            <a:off x="5652031" y="4109411"/>
+            <a:ext cx="2431640" cy="347652"/>
+          </a:xfrm>
+          <a:prstGeom prst="roundRect">
+            <a:avLst/>
+          </a:prstGeom>
+        </p:spPr>
+        <p:style>
+          <a:lnRef idx="1">
+            <a:schemeClr val="accent3"/>
+          </a:lnRef>
+          <a:fillRef idx="2">
+            <a:schemeClr val="accent3"/>
+          </a:fillRef>
+          <a:effectRef idx="1">
+            <a:schemeClr val="accent3"/>
+          </a:effectRef>
+          <a:fontRef idx="minor">
+            <a:schemeClr val="dk1"/>
+          </a:fontRef>
+        </p:style>
+        <p:txBody>
+          <a:bodyPr rtlCol="0" anchor="ctr"/>
+          <a:lstStyle/>
+          <a:p>
+            <a:pPr algn="ctr"/>
+            <a:endParaRPr lang="en-US"/>
+          </a:p>
+        </p:txBody>
+      </p:sp>
+      <p:sp>
+        <p:nvSpPr>
+          <p:cNvPr id="25" name="Rounded Rectangle 2">
+            <a:extLst>
+              <a:ext uri="{FF2B5EF4-FFF2-40B4-BE49-F238E27FC236}">
+                <a16:creationId xmlns:a16="http://schemas.microsoft.com/office/drawing/2014/main" id="{AD70626B-2E74-4048-BB8D-05D8DB4EA640}"/>
+              </a:ext>
+            </a:extLst>
+          </p:cNvPr>
+          <p:cNvSpPr/>
+          <p:nvPr/>
+        </p:nvSpPr>
+        <p:spPr>
+          <a:xfrm>
+            <a:off x="3105811" y="2985975"/>
             <a:ext cx="1814897" cy="347652"/>
           </a:xfrm>
           <a:prstGeom prst="roundRect">
@@ -30415,329 +29799,6 @@
             <a:pPr algn="ctr"/>
             <a:r>
               <a:rPr lang="en-US"/>
-              <a:t>Server name:</a:t>
-            </a:r>
-          </a:p>
-        </p:txBody>
-      </p:sp>
-      <p:sp>
-        <p:nvSpPr>
-          <p:cNvPr id="19" name="Rounded Rectangle 3">
-            <a:extLst>
-              <a:ext uri="{FF2B5EF4-FFF2-40B4-BE49-F238E27FC236}">
-                <a16:creationId xmlns:a16="http://schemas.microsoft.com/office/drawing/2014/main" id="{AA22FD6F-15E5-4036-96FA-84970BE20878}"/>
-              </a:ext>
-            </a:extLst>
-          </p:cNvPr>
-          <p:cNvSpPr/>
-          <p:nvPr/>
-        </p:nvSpPr>
-        <p:spPr>
-          <a:xfrm>
-            <a:off x="5968295" y="3468631"/>
-            <a:ext cx="1814897" cy="347652"/>
-          </a:xfrm>
-          <a:prstGeom prst="roundRect">
-            <a:avLst/>
-          </a:prstGeom>
-        </p:spPr>
-        <p:style>
-          <a:lnRef idx="2">
-            <a:schemeClr val="accent6"/>
-          </a:lnRef>
-          <a:fillRef idx="1">
-            <a:schemeClr val="lt1"/>
-          </a:fillRef>
-          <a:effectRef idx="0">
-            <a:schemeClr val="accent6"/>
-          </a:effectRef>
-          <a:fontRef idx="minor">
-            <a:schemeClr val="dk1"/>
-          </a:fontRef>
-        </p:style>
-        <p:txBody>
-          <a:bodyPr rtlCol="0" anchor="ctr"/>
-          <a:lstStyle/>
-          <a:p>
-            <a:pPr algn="ctr"/>
-            <a:r>
-              <a:rPr lang="en-US"/>
-              <a:t>Login:</a:t>
-            </a:r>
-          </a:p>
-        </p:txBody>
-      </p:sp>
-      <p:sp>
-        <p:nvSpPr>
-          <p:cNvPr id="20" name="Rounded Rectangle 4">
-            <a:extLst>
-              <a:ext uri="{FF2B5EF4-FFF2-40B4-BE49-F238E27FC236}">
-                <a16:creationId xmlns:a16="http://schemas.microsoft.com/office/drawing/2014/main" id="{ABFD6F99-8786-4C2D-BFBC-78893033E7B2}"/>
-              </a:ext>
-            </a:extLst>
-          </p:cNvPr>
-          <p:cNvSpPr/>
-          <p:nvPr/>
-        </p:nvSpPr>
-        <p:spPr>
-          <a:xfrm>
-            <a:off x="5968295" y="4053277"/>
-            <a:ext cx="1823083" cy="347652"/>
-          </a:xfrm>
-          <a:prstGeom prst="roundRect">
-            <a:avLst/>
-          </a:prstGeom>
-        </p:spPr>
-        <p:style>
-          <a:lnRef idx="2">
-            <a:schemeClr val="accent6"/>
-          </a:lnRef>
-          <a:fillRef idx="1">
-            <a:schemeClr val="lt1"/>
-          </a:fillRef>
-          <a:effectRef idx="0">
-            <a:schemeClr val="accent6"/>
-          </a:effectRef>
-          <a:fontRef idx="minor">
-            <a:schemeClr val="dk1"/>
-          </a:fontRef>
-        </p:style>
-        <p:txBody>
-          <a:bodyPr rtlCol="0" anchor="ctr"/>
-          <a:lstStyle/>
-          <a:p>
-            <a:pPr algn="ctr"/>
-            <a:r>
-              <a:rPr lang="en-US"/>
-              <a:t>Password:</a:t>
-            </a:r>
-          </a:p>
-        </p:txBody>
-      </p:sp>
-      <p:sp>
-        <p:nvSpPr>
-          <p:cNvPr id="21" name="Rounded Rectangle 5">
-            <a:extLst>
-              <a:ext uri="{FF2B5EF4-FFF2-40B4-BE49-F238E27FC236}">
-                <a16:creationId xmlns:a16="http://schemas.microsoft.com/office/drawing/2014/main" id="{7E40E9F8-0462-423F-B3DC-5CEF1F84B658}"/>
-              </a:ext>
-            </a:extLst>
-          </p:cNvPr>
-          <p:cNvSpPr/>
-          <p:nvPr/>
-        </p:nvSpPr>
-        <p:spPr>
-          <a:xfrm>
-            <a:off x="8526147" y="2395740"/>
-            <a:ext cx="2431640" cy="347652"/>
-          </a:xfrm>
-          <a:prstGeom prst="roundRect">
-            <a:avLst/>
-          </a:prstGeom>
-        </p:spPr>
-        <p:style>
-          <a:lnRef idx="1">
-            <a:schemeClr val="accent3"/>
-          </a:lnRef>
-          <a:fillRef idx="2">
-            <a:schemeClr val="accent3"/>
-          </a:fillRef>
-          <a:effectRef idx="1">
-            <a:schemeClr val="accent3"/>
-          </a:effectRef>
-          <a:fontRef idx="minor">
-            <a:schemeClr val="dk1"/>
-          </a:fontRef>
-        </p:style>
-        <p:txBody>
-          <a:bodyPr rtlCol="0" anchor="ctr"/>
-          <a:lstStyle/>
-          <a:p>
-            <a:pPr algn="ctr"/>
-            <a:endParaRPr lang="en-US"/>
-          </a:p>
-        </p:txBody>
-      </p:sp>
-      <p:sp>
-        <p:nvSpPr>
-          <p:cNvPr id="22" name="Rounded Rectangle 7">
-            <a:extLst>
-              <a:ext uri="{FF2B5EF4-FFF2-40B4-BE49-F238E27FC236}">
-                <a16:creationId xmlns:a16="http://schemas.microsoft.com/office/drawing/2014/main" id="{CB642750-5A3F-41B5-9681-6317A9517D93}"/>
-              </a:ext>
-            </a:extLst>
-          </p:cNvPr>
-          <p:cNvSpPr/>
-          <p:nvPr/>
-        </p:nvSpPr>
-        <p:spPr>
-          <a:xfrm>
-            <a:off x="8522702" y="3488722"/>
-            <a:ext cx="2431640" cy="347652"/>
-          </a:xfrm>
-          <a:prstGeom prst="roundRect">
-            <a:avLst/>
-          </a:prstGeom>
-        </p:spPr>
-        <p:style>
-          <a:lnRef idx="1">
-            <a:schemeClr val="accent3"/>
-          </a:lnRef>
-          <a:fillRef idx="2">
-            <a:schemeClr val="accent3"/>
-          </a:fillRef>
-          <a:effectRef idx="1">
-            <a:schemeClr val="accent3"/>
-          </a:effectRef>
-          <a:fontRef idx="minor">
-            <a:schemeClr val="dk1"/>
-          </a:fontRef>
-        </p:style>
-        <p:txBody>
-          <a:bodyPr rtlCol="0" anchor="ctr"/>
-          <a:lstStyle/>
-          <a:p>
-            <a:pPr algn="ctr"/>
-            <a:endParaRPr lang="en-US"/>
-          </a:p>
-        </p:txBody>
-      </p:sp>
-      <p:sp>
-        <p:nvSpPr>
-          <p:cNvPr id="23" name="Rounded Rectangle 8">
-            <a:extLst>
-              <a:ext uri="{FF2B5EF4-FFF2-40B4-BE49-F238E27FC236}">
-                <a16:creationId xmlns:a16="http://schemas.microsoft.com/office/drawing/2014/main" id="{84A466F9-549A-4039-8935-70C5996A7D07}"/>
-              </a:ext>
-            </a:extLst>
-          </p:cNvPr>
-          <p:cNvSpPr/>
-          <p:nvPr/>
-        </p:nvSpPr>
-        <p:spPr>
-          <a:xfrm>
-            <a:off x="8522702" y="4053277"/>
-            <a:ext cx="2431640" cy="347652"/>
-          </a:xfrm>
-          <a:prstGeom prst="roundRect">
-            <a:avLst/>
-          </a:prstGeom>
-        </p:spPr>
-        <p:style>
-          <a:lnRef idx="1">
-            <a:schemeClr val="accent3"/>
-          </a:lnRef>
-          <a:fillRef idx="2">
-            <a:schemeClr val="accent3"/>
-          </a:fillRef>
-          <a:effectRef idx="1">
-            <a:schemeClr val="accent3"/>
-          </a:effectRef>
-          <a:fontRef idx="minor">
-            <a:schemeClr val="dk1"/>
-          </a:fontRef>
-        </p:style>
-        <p:txBody>
-          <a:bodyPr rtlCol="0" anchor="ctr"/>
-          <a:lstStyle/>
-          <a:p>
-            <a:pPr algn="ctr"/>
-            <a:endParaRPr lang="en-US"/>
-          </a:p>
-        </p:txBody>
-      </p:sp>
-      <p:sp>
-        <p:nvSpPr>
-          <p:cNvPr id="24" name="Rounded Rectangle 9">
-            <a:extLst>
-              <a:ext uri="{FF2B5EF4-FFF2-40B4-BE49-F238E27FC236}">
-                <a16:creationId xmlns:a16="http://schemas.microsoft.com/office/drawing/2014/main" id="{363C384F-332A-4EEB-9742-F4AE7F5C25A5}"/>
-              </a:ext>
-            </a:extLst>
-          </p:cNvPr>
-          <p:cNvSpPr/>
-          <p:nvPr/>
-        </p:nvSpPr>
-        <p:spPr>
-          <a:xfrm>
-            <a:off x="6338833" y="1618495"/>
-            <a:ext cx="3766781" cy="757645"/>
-          </a:xfrm>
-          <a:prstGeom prst="roundRect">
-            <a:avLst/>
-          </a:prstGeom>
-          <a:ln>
-            <a:noFill/>
-          </a:ln>
-        </p:spPr>
-        <p:style>
-          <a:lnRef idx="2">
-            <a:schemeClr val="accent6"/>
-          </a:lnRef>
-          <a:fillRef idx="1">
-            <a:schemeClr val="lt1"/>
-          </a:fillRef>
-          <a:effectRef idx="0">
-            <a:schemeClr val="accent6"/>
-          </a:effectRef>
-          <a:fontRef idx="minor">
-            <a:schemeClr val="dk1"/>
-          </a:fontRef>
-        </p:style>
-        <p:txBody>
-          <a:bodyPr rtlCol="0" anchor="ctr"/>
-          <a:lstStyle/>
-          <a:p>
-            <a:pPr algn="ctr"/>
-            <a:r>
-              <a:rPr lang="en-US" b="1"/>
-              <a:t>Warehouse database</a:t>
-            </a:r>
-          </a:p>
-        </p:txBody>
-      </p:sp>
-      <p:sp>
-        <p:nvSpPr>
-          <p:cNvPr id="25" name="Rounded Rectangle 2">
-            <a:extLst>
-              <a:ext uri="{FF2B5EF4-FFF2-40B4-BE49-F238E27FC236}">
-                <a16:creationId xmlns:a16="http://schemas.microsoft.com/office/drawing/2014/main" id="{AD70626B-2E74-4048-BB8D-05D8DB4EA640}"/>
-              </a:ext>
-            </a:extLst>
-          </p:cNvPr>
-          <p:cNvSpPr/>
-          <p:nvPr/>
-        </p:nvSpPr>
-        <p:spPr>
-          <a:xfrm>
-            <a:off x="5976482" y="2929841"/>
-            <a:ext cx="1814897" cy="347652"/>
-          </a:xfrm>
-          <a:prstGeom prst="roundRect">
-            <a:avLst/>
-          </a:prstGeom>
-        </p:spPr>
-        <p:style>
-          <a:lnRef idx="2">
-            <a:schemeClr val="accent6"/>
-          </a:lnRef>
-          <a:fillRef idx="1">
-            <a:schemeClr val="lt1"/>
-          </a:fillRef>
-          <a:effectRef idx="0">
-            <a:schemeClr val="accent6"/>
-          </a:effectRef>
-          <a:fontRef idx="minor">
-            <a:schemeClr val="dk1"/>
-          </a:fontRef>
-        </p:style>
-        <p:txBody>
-          <a:bodyPr rtlCol="0" anchor="ctr"/>
-          <a:lstStyle/>
-          <a:p>
-            <a:pPr algn="ctr"/>
-            <a:r>
-              <a:rPr lang="en-US"/>
               <a:t>Database name:</a:t>
             </a:r>
           </a:p>
@@ -30745,93 +29806,10 @@
       </p:sp>
       <p:sp>
         <p:nvSpPr>
-          <p:cNvPr id="26" name="Rounded Rectangle 5">
-            <a:extLst>
-              <a:ext uri="{FF2B5EF4-FFF2-40B4-BE49-F238E27FC236}">
-                <a16:creationId xmlns:a16="http://schemas.microsoft.com/office/drawing/2014/main" id="{B81FD7BF-3F32-4678-89F1-AA62418CFA87}"/>
-              </a:ext>
-            </a:extLst>
-          </p:cNvPr>
-          <p:cNvSpPr/>
-          <p:nvPr/>
-        </p:nvSpPr>
-        <p:spPr>
-          <a:xfrm>
-            <a:off x="8522702" y="2929841"/>
-            <a:ext cx="2431640" cy="347652"/>
-          </a:xfrm>
-          <a:prstGeom prst="roundRect">
-            <a:avLst/>
-          </a:prstGeom>
-        </p:spPr>
-        <p:style>
-          <a:lnRef idx="1">
-            <a:schemeClr val="accent3"/>
-          </a:lnRef>
-          <a:fillRef idx="2">
-            <a:schemeClr val="accent3"/>
-          </a:fillRef>
-          <a:effectRef idx="1">
-            <a:schemeClr val="accent3"/>
-          </a:effectRef>
-          <a:fontRef idx="minor">
-            <a:schemeClr val="dk1"/>
-          </a:fontRef>
-        </p:style>
-        <p:txBody>
-          <a:bodyPr rtlCol="0" anchor="ctr"/>
-          <a:lstStyle/>
-          <a:p>
-            <a:pPr algn="ctr"/>
-            <a:endParaRPr lang="en-US"/>
-          </a:p>
-        </p:txBody>
-      </p:sp>
-      <p:cxnSp>
-        <p:nvCxnSpPr>
-          <p:cNvPr id="29" name="Straight Connector 28">
-            <a:extLst>
-              <a:ext uri="{FF2B5EF4-FFF2-40B4-BE49-F238E27FC236}">
-                <a16:creationId xmlns:a16="http://schemas.microsoft.com/office/drawing/2014/main" id="{FA57496F-7E45-4CF8-A195-5AE983112F79}"/>
-              </a:ext>
-            </a:extLst>
-          </p:cNvPr>
-          <p:cNvCxnSpPr>
-            <a:cxnSpLocks/>
-          </p:cNvCxnSpPr>
-          <p:nvPr/>
-        </p:nvCxnSpPr>
-        <p:spPr>
-          <a:xfrm>
-            <a:off x="5808724" y="1991360"/>
-            <a:ext cx="0" cy="3218572"/>
-          </a:xfrm>
-          <a:prstGeom prst="line">
-            <a:avLst/>
-          </a:prstGeom>
-          <a:ln w="76200"/>
-        </p:spPr>
-        <p:style>
-          <a:lnRef idx="1">
-            <a:schemeClr val="accent1"/>
-          </a:lnRef>
-          <a:fillRef idx="0">
-            <a:schemeClr val="accent1"/>
-          </a:fillRef>
-          <a:effectRef idx="0">
-            <a:schemeClr val="accent1"/>
-          </a:effectRef>
-          <a:fontRef idx="minor">
-            <a:schemeClr val="tx1"/>
-          </a:fontRef>
-        </p:style>
-      </p:cxnSp>
-      <p:sp>
-        <p:nvSpPr>
-          <p:cNvPr id="32" name="TextBox 31">
-            <a:extLst>
-              <a:ext uri="{FF2B5EF4-FFF2-40B4-BE49-F238E27FC236}">
-                <a16:creationId xmlns:a16="http://schemas.microsoft.com/office/drawing/2014/main" id="{77A214E3-C7C8-42AE-A801-EAB88FA1DA43}"/>
+          <p:cNvPr id="34" name="TextBox 33">
+            <a:extLst>
+              <a:ext uri="{FF2B5EF4-FFF2-40B4-BE49-F238E27FC236}">
+                <a16:creationId xmlns:a16="http://schemas.microsoft.com/office/drawing/2014/main" id="{48271030-CE4B-4255-86C4-CDC03E926696}"/>
               </a:ext>
             </a:extLst>
           </p:cNvPr>
@@ -30840,7 +29818,7 @@
         </p:nvSpPr>
         <p:spPr>
           <a:xfrm>
-            <a:off x="1416527" y="4774743"/>
+            <a:off x="4134356" y="4848529"/>
             <a:ext cx="1287810" cy="369332"/>
           </a:xfrm>
           <a:prstGeom prst="rect">
@@ -30861,47 +29839,12 @@
           </a:p>
         </p:txBody>
       </p:sp>
-      <p:sp>
-        <p:nvSpPr>
-          <p:cNvPr id="34" name="TextBox 33">
-            <a:extLst>
-              <a:ext uri="{FF2B5EF4-FFF2-40B4-BE49-F238E27FC236}">
-                <a16:creationId xmlns:a16="http://schemas.microsoft.com/office/drawing/2014/main" id="{48271030-CE4B-4255-86C4-CDC03E926696}"/>
-              </a:ext>
-            </a:extLst>
-          </p:cNvPr>
-          <p:cNvSpPr txBox="1"/>
-          <p:nvPr/>
-        </p:nvSpPr>
-        <p:spPr>
-          <a:xfrm>
-            <a:off x="7005027" y="4792395"/>
-            <a:ext cx="1287810" cy="369332"/>
-          </a:xfrm>
-          <a:prstGeom prst="rect">
-            <a:avLst/>
-          </a:prstGeom>
-          <a:noFill/>
-        </p:spPr>
-        <p:txBody>
-          <a:bodyPr wrap="square" rtlCol="0">
-            <a:spAutoFit/>
-          </a:bodyPr>
-          <a:lstStyle/>
-          <a:p>
-            <a:r>
-              <a:rPr lang="en-US"/>
-              <a:t>Connected:</a:t>
-            </a:r>
-          </a:p>
-        </p:txBody>
-      </p:sp>
       <p:pic>
         <p:nvPicPr>
-          <p:cNvPr id="35" name="Picture 34">
-            <a:extLst>
-              <a:ext uri="{FF2B5EF4-FFF2-40B4-BE49-F238E27FC236}">
-                <a16:creationId xmlns:a16="http://schemas.microsoft.com/office/drawing/2014/main" id="{D4459913-B777-4F4D-B5BD-86EBB4A8ABB4}"/>
+          <p:cNvPr id="37" name="Picture 36">
+            <a:extLst>
+              <a:ext uri="{FF2B5EF4-FFF2-40B4-BE49-F238E27FC236}">
+                <a16:creationId xmlns:a16="http://schemas.microsoft.com/office/drawing/2014/main" id="{5C265F0D-D51E-4637-A127-2FF0B2798113}"/>
               </a:ext>
             </a:extLst>
           </p:cNvPr>
@@ -30924,43 +29867,7 @@
         </p:blipFill>
         <p:spPr>
           <a:xfrm>
-            <a:off x="2911913" y="4596252"/>
-            <a:ext cx="604708" cy="604708"/>
-          </a:xfrm>
-          <a:prstGeom prst="rect">
-            <a:avLst/>
-          </a:prstGeom>
-        </p:spPr>
-      </p:pic>
-      <p:pic>
-        <p:nvPicPr>
-          <p:cNvPr id="37" name="Picture 36">
-            <a:extLst>
-              <a:ext uri="{FF2B5EF4-FFF2-40B4-BE49-F238E27FC236}">
-                <a16:creationId xmlns:a16="http://schemas.microsoft.com/office/drawing/2014/main" id="{5C265F0D-D51E-4637-A127-2FF0B2798113}"/>
-              </a:ext>
-            </a:extLst>
-          </p:cNvPr>
-          <p:cNvPicPr>
-            <a:picLocks noChangeAspect="1"/>
-          </p:cNvPicPr>
-          <p:nvPr/>
-        </p:nvPicPr>
-        <p:blipFill>
-          <a:blip r:embed="rId3" cstate="print">
-            <a:extLst>
-              <a:ext uri="{28A0092B-C50C-407E-A947-70E740481C1C}">
-                <a14:useLocalDpi xmlns:a14="http://schemas.microsoft.com/office/drawing/2010/main" val="0"/>
-              </a:ext>
-            </a:extLst>
-          </a:blip>
-          <a:stretch>
-            <a:fillRect/>
-          </a:stretch>
-        </p:blipFill>
-        <p:spPr>
-          <a:xfrm>
-            <a:off x="8292837" y="4611233"/>
+            <a:off x="5422166" y="4667367"/>
             <a:ext cx="621271" cy="621271"/>
           </a:xfrm>
           <a:prstGeom prst="rect">
@@ -31064,6 +29971,191 @@
         <p:spPr>
           <a:xfrm>
             <a:off x="6056504" y="1299157"/>
+            <a:ext cx="2431640" cy="347652"/>
+          </a:xfrm>
+          <a:prstGeom prst="roundRect">
+            <a:avLst/>
+          </a:prstGeom>
+        </p:spPr>
+        <p:style>
+          <a:lnRef idx="1">
+            <a:schemeClr val="accent3"/>
+          </a:lnRef>
+          <a:fillRef idx="2">
+            <a:schemeClr val="accent3"/>
+          </a:fillRef>
+          <a:effectRef idx="1">
+            <a:schemeClr val="accent3"/>
+          </a:effectRef>
+          <a:fontRef idx="minor">
+            <a:schemeClr val="dk1"/>
+          </a:fontRef>
+        </p:style>
+        <p:txBody>
+          <a:bodyPr rtlCol="0" anchor="ctr"/>
+          <a:lstStyle/>
+          <a:p>
+            <a:pPr algn="ctr"/>
+            <a:endParaRPr lang="en-US"/>
+          </a:p>
+        </p:txBody>
+      </p:sp>
+      <p:sp>
+        <p:nvSpPr>
+          <p:cNvPr id="33" name="Rounded Rectangle 2">
+            <a:extLst>
+              <a:ext uri="{FF2B5EF4-FFF2-40B4-BE49-F238E27FC236}">
+                <a16:creationId xmlns:a16="http://schemas.microsoft.com/office/drawing/2014/main" id="{B16883A0-5619-402A-B591-A139CC67B9EB}"/>
+              </a:ext>
+            </a:extLst>
+          </p:cNvPr>
+          <p:cNvSpPr/>
+          <p:nvPr/>
+        </p:nvSpPr>
+        <p:spPr>
+          <a:xfrm>
+            <a:off x="3066511" y="2463629"/>
+            <a:ext cx="1814897" cy="347652"/>
+          </a:xfrm>
+          <a:prstGeom prst="roundRect">
+            <a:avLst/>
+          </a:prstGeom>
+        </p:spPr>
+        <p:style>
+          <a:lnRef idx="2">
+            <a:schemeClr val="accent6"/>
+          </a:lnRef>
+          <a:fillRef idx="1">
+            <a:schemeClr val="lt1"/>
+          </a:fillRef>
+          <a:effectRef idx="0">
+            <a:schemeClr val="accent6"/>
+          </a:effectRef>
+          <a:fontRef idx="minor">
+            <a:schemeClr val="dk1"/>
+          </a:fontRef>
+        </p:style>
+        <p:txBody>
+          <a:bodyPr rtlCol="0" anchor="ctr"/>
+          <a:lstStyle/>
+          <a:p>
+            <a:pPr algn="ctr"/>
+            <a:r>
+              <a:rPr lang="en-US"/>
+              <a:t>Server name:</a:t>
+            </a:r>
+          </a:p>
+        </p:txBody>
+      </p:sp>
+      <p:sp>
+        <p:nvSpPr>
+          <p:cNvPr id="36" name="Rounded Rectangle 5">
+            <a:extLst>
+              <a:ext uri="{FF2B5EF4-FFF2-40B4-BE49-F238E27FC236}">
+                <a16:creationId xmlns:a16="http://schemas.microsoft.com/office/drawing/2014/main" id="{F65AB028-2B42-443E-B964-69C84C486AD1}"/>
+              </a:ext>
+            </a:extLst>
+          </p:cNvPr>
+          <p:cNvSpPr/>
+          <p:nvPr/>
+        </p:nvSpPr>
+        <p:spPr>
+          <a:xfrm>
+            <a:off x="5620918" y="2463629"/>
+            <a:ext cx="2431640" cy="347652"/>
+          </a:xfrm>
+          <a:prstGeom prst="roundRect">
+            <a:avLst/>
+          </a:prstGeom>
+        </p:spPr>
+        <p:style>
+          <a:lnRef idx="1">
+            <a:schemeClr val="accent3"/>
+          </a:lnRef>
+          <a:fillRef idx="2">
+            <a:schemeClr val="accent3"/>
+          </a:fillRef>
+          <a:effectRef idx="1">
+            <a:schemeClr val="accent3"/>
+          </a:effectRef>
+          <a:fontRef idx="minor">
+            <a:schemeClr val="dk1"/>
+          </a:fontRef>
+        </p:style>
+        <p:txBody>
+          <a:bodyPr rtlCol="0" anchor="ctr"/>
+          <a:lstStyle/>
+          <a:p>
+            <a:pPr algn="ctr"/>
+            <a:endParaRPr lang="en-US"/>
+          </a:p>
+        </p:txBody>
+      </p:sp>
+      <p:sp>
+        <p:nvSpPr>
+          <p:cNvPr id="39" name="Rounded Rectangle 9">
+            <a:extLst>
+              <a:ext uri="{FF2B5EF4-FFF2-40B4-BE49-F238E27FC236}">
+                <a16:creationId xmlns:a16="http://schemas.microsoft.com/office/drawing/2014/main" id="{29475D8B-204B-4989-BA5E-B646FEDBAD9C}"/>
+              </a:ext>
+            </a:extLst>
+          </p:cNvPr>
+          <p:cNvSpPr/>
+          <p:nvPr/>
+        </p:nvSpPr>
+        <p:spPr>
+          <a:xfrm>
+            <a:off x="3433604" y="1686384"/>
+            <a:ext cx="3766781" cy="757645"/>
+          </a:xfrm>
+          <a:prstGeom prst="roundRect">
+            <a:avLst/>
+          </a:prstGeom>
+          <a:ln>
+            <a:noFill/>
+          </a:ln>
+        </p:spPr>
+        <p:style>
+          <a:lnRef idx="2">
+            <a:schemeClr val="accent6"/>
+          </a:lnRef>
+          <a:fillRef idx="1">
+            <a:schemeClr val="lt1"/>
+          </a:fillRef>
+          <a:effectRef idx="0">
+            <a:schemeClr val="accent6"/>
+          </a:effectRef>
+          <a:fontRef idx="minor">
+            <a:schemeClr val="dk1"/>
+          </a:fontRef>
+        </p:style>
+        <p:txBody>
+          <a:bodyPr rtlCol="0" anchor="ctr"/>
+          <a:lstStyle/>
+          <a:p>
+            <a:pPr algn="ctr"/>
+            <a:r>
+              <a:rPr lang="en-US" b="1"/>
+              <a:t>Warehouse database</a:t>
+            </a:r>
+          </a:p>
+        </p:txBody>
+      </p:sp>
+      <p:sp>
+        <p:nvSpPr>
+          <p:cNvPr id="42" name="Rounded Rectangle 5">
+            <a:extLst>
+              <a:ext uri="{FF2B5EF4-FFF2-40B4-BE49-F238E27FC236}">
+                <a16:creationId xmlns:a16="http://schemas.microsoft.com/office/drawing/2014/main" id="{930DAAB6-6702-4DAF-939F-20B014067D10}"/>
+              </a:ext>
+            </a:extLst>
+          </p:cNvPr>
+          <p:cNvSpPr/>
+          <p:nvPr/>
+        </p:nvSpPr>
+        <p:spPr>
+          <a:xfrm>
+            <a:off x="5617473" y="2997730"/>
             <a:ext cx="2431640" cy="347652"/>
           </a:xfrm>
           <a:prstGeom prst="roundRect">
@@ -31179,7 +30271,7 @@
         </p:nvSpPr>
         <p:spPr>
           <a:xfrm>
-            <a:off x="485340" y="2376140"/>
+            <a:off x="3575299" y="2374184"/>
             <a:ext cx="1814897" cy="347652"/>
           </a:xfrm>
           <a:prstGeom prst="roundRect">
@@ -31220,7 +30312,7 @@
         </p:nvSpPr>
         <p:spPr>
           <a:xfrm>
-            <a:off x="481895" y="3449031"/>
+            <a:off x="3571854" y="3447075"/>
             <a:ext cx="1814897" cy="347652"/>
           </a:xfrm>
           <a:prstGeom prst="roundRect">
@@ -31261,7 +30353,7 @@
         </p:nvSpPr>
         <p:spPr>
           <a:xfrm>
-            <a:off x="481895" y="4033677"/>
+            <a:off x="3571854" y="4031721"/>
             <a:ext cx="1823083" cy="347652"/>
           </a:xfrm>
           <a:prstGeom prst="roundRect">
@@ -31302,7 +30394,7 @@
         </p:nvSpPr>
         <p:spPr>
           <a:xfrm>
-            <a:off x="3039747" y="2376140"/>
+            <a:off x="6129706" y="2374184"/>
             <a:ext cx="2431640" cy="347652"/>
           </a:xfrm>
           <a:prstGeom prst="roundRect">
@@ -31340,7 +30432,7 @@
         </p:nvSpPr>
         <p:spPr>
           <a:xfrm>
-            <a:off x="3036302" y="3469122"/>
+            <a:off x="6126261" y="3467166"/>
             <a:ext cx="2431640" cy="347652"/>
           </a:xfrm>
           <a:prstGeom prst="roundRect">
@@ -31378,7 +30470,7 @@
         </p:nvSpPr>
         <p:spPr>
           <a:xfrm>
-            <a:off x="3036302" y="4033677"/>
+            <a:off x="6126261" y="4031721"/>
             <a:ext cx="2431640" cy="347652"/>
           </a:xfrm>
           <a:prstGeom prst="roundRect">
@@ -31416,7 +30508,7 @@
         </p:nvSpPr>
         <p:spPr>
           <a:xfrm>
-            <a:off x="820946" y="1559065"/>
+            <a:off x="3910905" y="1557109"/>
             <a:ext cx="3766781" cy="757645"/>
           </a:xfrm>
           <a:prstGeom prst="roundRect">
@@ -31447,7 +30539,7 @@
             <a:pPr algn="ctr"/>
             <a:r>
               <a:rPr lang="en-US" b="1"/>
-              <a:t>Admin database</a:t>
+              <a:t>HHAX database</a:t>
             </a:r>
           </a:p>
         </p:txBody>
@@ -31618,7 +30710,7 @@
         </p:nvSpPr>
         <p:spPr>
           <a:xfrm>
-            <a:off x="490082" y="2910241"/>
+            <a:off x="3580041" y="2908285"/>
             <a:ext cx="1814897" cy="347652"/>
           </a:xfrm>
           <a:prstGeom prst="roundRect">
@@ -31665,7 +30757,7 @@
         </p:nvSpPr>
         <p:spPr>
           <a:xfrm>
-            <a:off x="3036302" y="2910241"/>
+            <a:off x="6126261" y="2908285"/>
             <a:ext cx="2431640" cy="347652"/>
           </a:xfrm>
           <a:prstGeom prst="roundRect">
@@ -31697,459 +30789,6 @@
       </p:sp>
       <p:sp>
         <p:nvSpPr>
-          <p:cNvPr id="18" name="Rounded Rectangle 2">
-            <a:extLst>
-              <a:ext uri="{FF2B5EF4-FFF2-40B4-BE49-F238E27FC236}">
-                <a16:creationId xmlns:a16="http://schemas.microsoft.com/office/drawing/2014/main" id="{7F39F619-1B92-439E-964F-AD729B6437DE}"/>
-              </a:ext>
-            </a:extLst>
-          </p:cNvPr>
-          <p:cNvSpPr/>
-          <p:nvPr/>
-        </p:nvSpPr>
-        <p:spPr>
-          <a:xfrm>
-            <a:off x="5971740" y="2395740"/>
-            <a:ext cx="1814897" cy="347652"/>
-          </a:xfrm>
-          <a:prstGeom prst="roundRect">
-            <a:avLst/>
-          </a:prstGeom>
-        </p:spPr>
-        <p:style>
-          <a:lnRef idx="2">
-            <a:schemeClr val="accent6"/>
-          </a:lnRef>
-          <a:fillRef idx="1">
-            <a:schemeClr val="lt1"/>
-          </a:fillRef>
-          <a:effectRef idx="0">
-            <a:schemeClr val="accent6"/>
-          </a:effectRef>
-          <a:fontRef idx="minor">
-            <a:schemeClr val="dk1"/>
-          </a:fontRef>
-        </p:style>
-        <p:txBody>
-          <a:bodyPr rtlCol="0" anchor="ctr"/>
-          <a:lstStyle/>
-          <a:p>
-            <a:pPr algn="ctr"/>
-            <a:r>
-              <a:rPr lang="en-US"/>
-              <a:t>Server name:</a:t>
-            </a:r>
-          </a:p>
-        </p:txBody>
-      </p:sp>
-      <p:sp>
-        <p:nvSpPr>
-          <p:cNvPr id="19" name="Rounded Rectangle 3">
-            <a:extLst>
-              <a:ext uri="{FF2B5EF4-FFF2-40B4-BE49-F238E27FC236}">
-                <a16:creationId xmlns:a16="http://schemas.microsoft.com/office/drawing/2014/main" id="{AA22FD6F-15E5-4036-96FA-84970BE20878}"/>
-              </a:ext>
-            </a:extLst>
-          </p:cNvPr>
-          <p:cNvSpPr/>
-          <p:nvPr/>
-        </p:nvSpPr>
-        <p:spPr>
-          <a:xfrm>
-            <a:off x="5968295" y="3468631"/>
-            <a:ext cx="1814897" cy="347652"/>
-          </a:xfrm>
-          <a:prstGeom prst="roundRect">
-            <a:avLst/>
-          </a:prstGeom>
-        </p:spPr>
-        <p:style>
-          <a:lnRef idx="2">
-            <a:schemeClr val="accent6"/>
-          </a:lnRef>
-          <a:fillRef idx="1">
-            <a:schemeClr val="lt1"/>
-          </a:fillRef>
-          <a:effectRef idx="0">
-            <a:schemeClr val="accent6"/>
-          </a:effectRef>
-          <a:fontRef idx="minor">
-            <a:schemeClr val="dk1"/>
-          </a:fontRef>
-        </p:style>
-        <p:txBody>
-          <a:bodyPr rtlCol="0" anchor="ctr"/>
-          <a:lstStyle/>
-          <a:p>
-            <a:pPr algn="ctr"/>
-            <a:r>
-              <a:rPr lang="en-US"/>
-              <a:t>Login:</a:t>
-            </a:r>
-          </a:p>
-        </p:txBody>
-      </p:sp>
-      <p:sp>
-        <p:nvSpPr>
-          <p:cNvPr id="20" name="Rounded Rectangle 4">
-            <a:extLst>
-              <a:ext uri="{FF2B5EF4-FFF2-40B4-BE49-F238E27FC236}">
-                <a16:creationId xmlns:a16="http://schemas.microsoft.com/office/drawing/2014/main" id="{ABFD6F99-8786-4C2D-BFBC-78893033E7B2}"/>
-              </a:ext>
-            </a:extLst>
-          </p:cNvPr>
-          <p:cNvSpPr/>
-          <p:nvPr/>
-        </p:nvSpPr>
-        <p:spPr>
-          <a:xfrm>
-            <a:off x="5968295" y="4053277"/>
-            <a:ext cx="1823083" cy="347652"/>
-          </a:xfrm>
-          <a:prstGeom prst="roundRect">
-            <a:avLst/>
-          </a:prstGeom>
-        </p:spPr>
-        <p:style>
-          <a:lnRef idx="2">
-            <a:schemeClr val="accent6"/>
-          </a:lnRef>
-          <a:fillRef idx="1">
-            <a:schemeClr val="lt1"/>
-          </a:fillRef>
-          <a:effectRef idx="0">
-            <a:schemeClr val="accent6"/>
-          </a:effectRef>
-          <a:fontRef idx="minor">
-            <a:schemeClr val="dk1"/>
-          </a:fontRef>
-        </p:style>
-        <p:txBody>
-          <a:bodyPr rtlCol="0" anchor="ctr"/>
-          <a:lstStyle/>
-          <a:p>
-            <a:pPr algn="ctr"/>
-            <a:r>
-              <a:rPr lang="en-US"/>
-              <a:t>Password:</a:t>
-            </a:r>
-          </a:p>
-        </p:txBody>
-      </p:sp>
-      <p:sp>
-        <p:nvSpPr>
-          <p:cNvPr id="21" name="Rounded Rectangle 5">
-            <a:extLst>
-              <a:ext uri="{FF2B5EF4-FFF2-40B4-BE49-F238E27FC236}">
-                <a16:creationId xmlns:a16="http://schemas.microsoft.com/office/drawing/2014/main" id="{7E40E9F8-0462-423F-B3DC-5CEF1F84B658}"/>
-              </a:ext>
-            </a:extLst>
-          </p:cNvPr>
-          <p:cNvSpPr/>
-          <p:nvPr/>
-        </p:nvSpPr>
-        <p:spPr>
-          <a:xfrm>
-            <a:off x="8526147" y="2395740"/>
-            <a:ext cx="2431640" cy="347652"/>
-          </a:xfrm>
-          <a:prstGeom prst="roundRect">
-            <a:avLst/>
-          </a:prstGeom>
-        </p:spPr>
-        <p:style>
-          <a:lnRef idx="1">
-            <a:schemeClr val="accent3"/>
-          </a:lnRef>
-          <a:fillRef idx="2">
-            <a:schemeClr val="accent3"/>
-          </a:fillRef>
-          <a:effectRef idx="1">
-            <a:schemeClr val="accent3"/>
-          </a:effectRef>
-          <a:fontRef idx="minor">
-            <a:schemeClr val="dk1"/>
-          </a:fontRef>
-        </p:style>
-        <p:txBody>
-          <a:bodyPr rtlCol="0" anchor="ctr"/>
-          <a:lstStyle/>
-          <a:p>
-            <a:pPr algn="ctr"/>
-            <a:endParaRPr lang="en-US"/>
-          </a:p>
-        </p:txBody>
-      </p:sp>
-      <p:sp>
-        <p:nvSpPr>
-          <p:cNvPr id="22" name="Rounded Rectangle 7">
-            <a:extLst>
-              <a:ext uri="{FF2B5EF4-FFF2-40B4-BE49-F238E27FC236}">
-                <a16:creationId xmlns:a16="http://schemas.microsoft.com/office/drawing/2014/main" id="{CB642750-5A3F-41B5-9681-6317A9517D93}"/>
-              </a:ext>
-            </a:extLst>
-          </p:cNvPr>
-          <p:cNvSpPr/>
-          <p:nvPr/>
-        </p:nvSpPr>
-        <p:spPr>
-          <a:xfrm>
-            <a:off x="8522702" y="3488722"/>
-            <a:ext cx="2431640" cy="347652"/>
-          </a:xfrm>
-          <a:prstGeom prst="roundRect">
-            <a:avLst/>
-          </a:prstGeom>
-        </p:spPr>
-        <p:style>
-          <a:lnRef idx="1">
-            <a:schemeClr val="accent3"/>
-          </a:lnRef>
-          <a:fillRef idx="2">
-            <a:schemeClr val="accent3"/>
-          </a:fillRef>
-          <a:effectRef idx="1">
-            <a:schemeClr val="accent3"/>
-          </a:effectRef>
-          <a:fontRef idx="minor">
-            <a:schemeClr val="dk1"/>
-          </a:fontRef>
-        </p:style>
-        <p:txBody>
-          <a:bodyPr rtlCol="0" anchor="ctr"/>
-          <a:lstStyle/>
-          <a:p>
-            <a:pPr algn="ctr"/>
-            <a:endParaRPr lang="en-US"/>
-          </a:p>
-        </p:txBody>
-      </p:sp>
-      <p:sp>
-        <p:nvSpPr>
-          <p:cNvPr id="23" name="Rounded Rectangle 8">
-            <a:extLst>
-              <a:ext uri="{FF2B5EF4-FFF2-40B4-BE49-F238E27FC236}">
-                <a16:creationId xmlns:a16="http://schemas.microsoft.com/office/drawing/2014/main" id="{84A466F9-549A-4039-8935-70C5996A7D07}"/>
-              </a:ext>
-            </a:extLst>
-          </p:cNvPr>
-          <p:cNvSpPr/>
-          <p:nvPr/>
-        </p:nvSpPr>
-        <p:spPr>
-          <a:xfrm>
-            <a:off x="8522702" y="4053277"/>
-            <a:ext cx="2431640" cy="347652"/>
-          </a:xfrm>
-          <a:prstGeom prst="roundRect">
-            <a:avLst/>
-          </a:prstGeom>
-        </p:spPr>
-        <p:style>
-          <a:lnRef idx="1">
-            <a:schemeClr val="accent3"/>
-          </a:lnRef>
-          <a:fillRef idx="2">
-            <a:schemeClr val="accent3"/>
-          </a:fillRef>
-          <a:effectRef idx="1">
-            <a:schemeClr val="accent3"/>
-          </a:effectRef>
-          <a:fontRef idx="minor">
-            <a:schemeClr val="dk1"/>
-          </a:fontRef>
-        </p:style>
-        <p:txBody>
-          <a:bodyPr rtlCol="0" anchor="ctr"/>
-          <a:lstStyle/>
-          <a:p>
-            <a:pPr algn="ctr"/>
-            <a:endParaRPr lang="en-US"/>
-          </a:p>
-        </p:txBody>
-      </p:sp>
-      <p:sp>
-        <p:nvSpPr>
-          <p:cNvPr id="24" name="Rounded Rectangle 9">
-            <a:extLst>
-              <a:ext uri="{FF2B5EF4-FFF2-40B4-BE49-F238E27FC236}">
-                <a16:creationId xmlns:a16="http://schemas.microsoft.com/office/drawing/2014/main" id="{363C384F-332A-4EEB-9742-F4AE7F5C25A5}"/>
-              </a:ext>
-            </a:extLst>
-          </p:cNvPr>
-          <p:cNvSpPr/>
-          <p:nvPr/>
-        </p:nvSpPr>
-        <p:spPr>
-          <a:xfrm>
-            <a:off x="6338833" y="1618495"/>
-            <a:ext cx="3766781" cy="757645"/>
-          </a:xfrm>
-          <a:prstGeom prst="roundRect">
-            <a:avLst/>
-          </a:prstGeom>
-          <a:ln>
-            <a:noFill/>
-          </a:ln>
-        </p:spPr>
-        <p:style>
-          <a:lnRef idx="2">
-            <a:schemeClr val="accent6"/>
-          </a:lnRef>
-          <a:fillRef idx="1">
-            <a:schemeClr val="lt1"/>
-          </a:fillRef>
-          <a:effectRef idx="0">
-            <a:schemeClr val="accent6"/>
-          </a:effectRef>
-          <a:fontRef idx="minor">
-            <a:schemeClr val="dk1"/>
-          </a:fontRef>
-        </p:style>
-        <p:txBody>
-          <a:bodyPr rtlCol="0" anchor="ctr"/>
-          <a:lstStyle/>
-          <a:p>
-            <a:pPr algn="ctr"/>
-            <a:r>
-              <a:rPr lang="en-US" b="1"/>
-              <a:t>HHAX Integration database</a:t>
-            </a:r>
-          </a:p>
-        </p:txBody>
-      </p:sp>
-      <p:sp>
-        <p:nvSpPr>
-          <p:cNvPr id="25" name="Rounded Rectangle 2">
-            <a:extLst>
-              <a:ext uri="{FF2B5EF4-FFF2-40B4-BE49-F238E27FC236}">
-                <a16:creationId xmlns:a16="http://schemas.microsoft.com/office/drawing/2014/main" id="{AD70626B-2E74-4048-BB8D-05D8DB4EA640}"/>
-              </a:ext>
-            </a:extLst>
-          </p:cNvPr>
-          <p:cNvSpPr/>
-          <p:nvPr/>
-        </p:nvSpPr>
-        <p:spPr>
-          <a:xfrm>
-            <a:off x="5976482" y="2929841"/>
-            <a:ext cx="1814897" cy="347652"/>
-          </a:xfrm>
-          <a:prstGeom prst="roundRect">
-            <a:avLst/>
-          </a:prstGeom>
-        </p:spPr>
-        <p:style>
-          <a:lnRef idx="2">
-            <a:schemeClr val="accent6"/>
-          </a:lnRef>
-          <a:fillRef idx="1">
-            <a:schemeClr val="lt1"/>
-          </a:fillRef>
-          <a:effectRef idx="0">
-            <a:schemeClr val="accent6"/>
-          </a:effectRef>
-          <a:fontRef idx="minor">
-            <a:schemeClr val="dk1"/>
-          </a:fontRef>
-        </p:style>
-        <p:txBody>
-          <a:bodyPr rtlCol="0" anchor="ctr"/>
-          <a:lstStyle/>
-          <a:p>
-            <a:pPr algn="ctr"/>
-            <a:r>
-              <a:rPr lang="en-US"/>
-              <a:t>Database name:</a:t>
-            </a:r>
-          </a:p>
-        </p:txBody>
-      </p:sp>
-      <p:sp>
-        <p:nvSpPr>
-          <p:cNvPr id="26" name="Rounded Rectangle 5">
-            <a:extLst>
-              <a:ext uri="{FF2B5EF4-FFF2-40B4-BE49-F238E27FC236}">
-                <a16:creationId xmlns:a16="http://schemas.microsoft.com/office/drawing/2014/main" id="{B81FD7BF-3F32-4678-89F1-AA62418CFA87}"/>
-              </a:ext>
-            </a:extLst>
-          </p:cNvPr>
-          <p:cNvSpPr/>
-          <p:nvPr/>
-        </p:nvSpPr>
-        <p:spPr>
-          <a:xfrm>
-            <a:off x="8522702" y="2929841"/>
-            <a:ext cx="2431640" cy="347652"/>
-          </a:xfrm>
-          <a:prstGeom prst="roundRect">
-            <a:avLst/>
-          </a:prstGeom>
-        </p:spPr>
-        <p:style>
-          <a:lnRef idx="1">
-            <a:schemeClr val="accent3"/>
-          </a:lnRef>
-          <a:fillRef idx="2">
-            <a:schemeClr val="accent3"/>
-          </a:fillRef>
-          <a:effectRef idx="1">
-            <a:schemeClr val="accent3"/>
-          </a:effectRef>
-          <a:fontRef idx="minor">
-            <a:schemeClr val="dk1"/>
-          </a:fontRef>
-        </p:style>
-        <p:txBody>
-          <a:bodyPr rtlCol="0" anchor="ctr"/>
-          <a:lstStyle/>
-          <a:p>
-            <a:pPr algn="ctr"/>
-            <a:endParaRPr lang="en-US"/>
-          </a:p>
-        </p:txBody>
-      </p:sp>
-      <p:cxnSp>
-        <p:nvCxnSpPr>
-          <p:cNvPr id="29" name="Straight Connector 28">
-            <a:extLst>
-              <a:ext uri="{FF2B5EF4-FFF2-40B4-BE49-F238E27FC236}">
-                <a16:creationId xmlns:a16="http://schemas.microsoft.com/office/drawing/2014/main" id="{FA57496F-7E45-4CF8-A195-5AE983112F79}"/>
-              </a:ext>
-            </a:extLst>
-          </p:cNvPr>
-          <p:cNvCxnSpPr>
-            <a:cxnSpLocks/>
-          </p:cNvCxnSpPr>
-          <p:nvPr/>
-        </p:nvCxnSpPr>
-        <p:spPr>
-          <a:xfrm>
-            <a:off x="5808724" y="1991360"/>
-            <a:ext cx="0" cy="3218572"/>
-          </a:xfrm>
-          <a:prstGeom prst="line">
-            <a:avLst/>
-          </a:prstGeom>
-          <a:ln w="76200"/>
-        </p:spPr>
-        <p:style>
-          <a:lnRef idx="1">
-            <a:schemeClr val="accent1"/>
-          </a:lnRef>
-          <a:fillRef idx="0">
-            <a:schemeClr val="accent1"/>
-          </a:fillRef>
-          <a:effectRef idx="0">
-            <a:schemeClr val="accent1"/>
-          </a:effectRef>
-          <a:fontRef idx="minor">
-            <a:schemeClr val="tx1"/>
-          </a:fontRef>
-        </p:style>
-      </p:cxnSp>
-      <p:sp>
-        <p:nvSpPr>
           <p:cNvPr id="32" name="TextBox 31">
             <a:extLst>
               <a:ext uri="{FF2B5EF4-FFF2-40B4-BE49-F238E27FC236}">
@@ -32162,42 +30801,7 @@
         </p:nvSpPr>
         <p:spPr>
           <a:xfrm>
-            <a:off x="1416527" y="4774743"/>
-            <a:ext cx="1287810" cy="369332"/>
-          </a:xfrm>
-          <a:prstGeom prst="rect">
-            <a:avLst/>
-          </a:prstGeom>
-          <a:noFill/>
-        </p:spPr>
-        <p:txBody>
-          <a:bodyPr wrap="square" rtlCol="0">
-            <a:spAutoFit/>
-          </a:bodyPr>
-          <a:lstStyle/>
-          <a:p>
-            <a:r>
-              <a:rPr lang="en-US"/>
-              <a:t>Connected:</a:t>
-            </a:r>
-          </a:p>
-        </p:txBody>
-      </p:sp>
-      <p:sp>
-        <p:nvSpPr>
-          <p:cNvPr id="34" name="TextBox 33">
-            <a:extLst>
-              <a:ext uri="{FF2B5EF4-FFF2-40B4-BE49-F238E27FC236}">
-                <a16:creationId xmlns:a16="http://schemas.microsoft.com/office/drawing/2014/main" id="{48271030-CE4B-4255-86C4-CDC03E926696}"/>
-              </a:ext>
-            </a:extLst>
-          </p:cNvPr>
-          <p:cNvSpPr txBox="1"/>
-          <p:nvPr/>
-        </p:nvSpPr>
-        <p:spPr>
-          <a:xfrm>
-            <a:off x="7005027" y="4792395"/>
+            <a:off x="4506486" y="4772787"/>
             <a:ext cx="1287810" cy="369332"/>
           </a:xfrm>
           <a:prstGeom prst="rect">
@@ -32246,44 +30850,8 @@
         </p:blipFill>
         <p:spPr>
           <a:xfrm>
-            <a:off x="2911913" y="4596252"/>
+            <a:off x="6001872" y="4594296"/>
             <a:ext cx="604708" cy="604708"/>
-          </a:xfrm>
-          <a:prstGeom prst="rect">
-            <a:avLst/>
-          </a:prstGeom>
-        </p:spPr>
-      </p:pic>
-      <p:pic>
-        <p:nvPicPr>
-          <p:cNvPr id="37" name="Picture 36">
-            <a:extLst>
-              <a:ext uri="{FF2B5EF4-FFF2-40B4-BE49-F238E27FC236}">
-                <a16:creationId xmlns:a16="http://schemas.microsoft.com/office/drawing/2014/main" id="{5C265F0D-D51E-4637-A127-2FF0B2798113}"/>
-              </a:ext>
-            </a:extLst>
-          </p:cNvPr>
-          <p:cNvPicPr>
-            <a:picLocks noChangeAspect="1"/>
-          </p:cNvPicPr>
-          <p:nvPr/>
-        </p:nvPicPr>
-        <p:blipFill>
-          <a:blip r:embed="rId3" cstate="print">
-            <a:extLst>
-              <a:ext uri="{28A0092B-C50C-407E-A947-70E740481C1C}">
-                <a14:useLocalDpi xmlns:a14="http://schemas.microsoft.com/office/drawing/2010/main" val="0"/>
-              </a:ext>
-            </a:extLst>
-          </a:blip>
-          <a:stretch>
-            <a:fillRect/>
-          </a:stretch>
-        </p:blipFill>
-        <p:spPr>
-          <a:xfrm>
-            <a:off x="8292837" y="4611233"/>
-            <a:ext cx="621271" cy="621271"/>
           </a:xfrm>
           <a:prstGeom prst="rect">
             <a:avLst/>

--- a/docs/screens/sreens.pptx
+++ b/docs/screens/sreens.pptx
@@ -256,7 +256,7 @@
           <a:p>
             <a:fld id="{3F95A33F-0BE4-4972-96C4-351B17A890F5}" type="datetimeFigureOut">
               <a:rPr lang="en-US" smtClean="0"/>
-              <a:t>1/28/2019</a:t>
+              <a:t>2/21/2019</a:t>
             </a:fld>
             <a:endParaRPr lang="en-US"/>
           </a:p>
@@ -424,7 +424,7 @@
           <a:p>
             <a:fld id="{3F95A33F-0BE4-4972-96C4-351B17A890F5}" type="datetimeFigureOut">
               <a:rPr lang="en-US" smtClean="0"/>
-              <a:t>1/28/2019</a:t>
+              <a:t>2/21/2019</a:t>
             </a:fld>
             <a:endParaRPr lang="en-US"/>
           </a:p>
@@ -602,7 +602,7 @@
           <a:p>
             <a:fld id="{3F95A33F-0BE4-4972-96C4-351B17A890F5}" type="datetimeFigureOut">
               <a:rPr lang="en-US" smtClean="0"/>
-              <a:t>1/28/2019</a:t>
+              <a:t>2/21/2019</a:t>
             </a:fld>
             <a:endParaRPr lang="en-US"/>
           </a:p>
@@ -770,7 +770,7 @@
           <a:p>
             <a:fld id="{3F95A33F-0BE4-4972-96C4-351B17A890F5}" type="datetimeFigureOut">
               <a:rPr lang="en-US" smtClean="0"/>
-              <a:t>1/28/2019</a:t>
+              <a:t>2/21/2019</a:t>
             </a:fld>
             <a:endParaRPr lang="en-US"/>
           </a:p>
@@ -1015,7 +1015,7 @@
           <a:p>
             <a:fld id="{3F95A33F-0BE4-4972-96C4-351B17A890F5}" type="datetimeFigureOut">
               <a:rPr lang="en-US" smtClean="0"/>
-              <a:t>1/28/2019</a:t>
+              <a:t>2/21/2019</a:t>
             </a:fld>
             <a:endParaRPr lang="en-US"/>
           </a:p>
@@ -1244,7 +1244,7 @@
           <a:p>
             <a:fld id="{3F95A33F-0BE4-4972-96C4-351B17A890F5}" type="datetimeFigureOut">
               <a:rPr lang="en-US" smtClean="0"/>
-              <a:t>1/28/2019</a:t>
+              <a:t>2/21/2019</a:t>
             </a:fld>
             <a:endParaRPr lang="en-US"/>
           </a:p>
@@ -1608,7 +1608,7 @@
           <a:p>
             <a:fld id="{3F95A33F-0BE4-4972-96C4-351B17A890F5}" type="datetimeFigureOut">
               <a:rPr lang="en-US" smtClean="0"/>
-              <a:t>1/28/2019</a:t>
+              <a:t>2/21/2019</a:t>
             </a:fld>
             <a:endParaRPr lang="en-US"/>
           </a:p>
@@ -1725,7 +1725,7 @@
           <a:p>
             <a:fld id="{3F95A33F-0BE4-4972-96C4-351B17A890F5}" type="datetimeFigureOut">
               <a:rPr lang="en-US" smtClean="0"/>
-              <a:t>1/28/2019</a:t>
+              <a:t>2/21/2019</a:t>
             </a:fld>
             <a:endParaRPr lang="en-US"/>
           </a:p>
@@ -1820,7 +1820,7 @@
           <a:p>
             <a:fld id="{3F95A33F-0BE4-4972-96C4-351B17A890F5}" type="datetimeFigureOut">
               <a:rPr lang="en-US" smtClean="0"/>
-              <a:t>1/28/2019</a:t>
+              <a:t>2/21/2019</a:t>
             </a:fld>
             <a:endParaRPr lang="en-US"/>
           </a:p>
@@ -2095,7 +2095,7 @@
           <a:p>
             <a:fld id="{3F95A33F-0BE4-4972-96C4-351B17A890F5}" type="datetimeFigureOut">
               <a:rPr lang="en-US" smtClean="0"/>
-              <a:t>1/28/2019</a:t>
+              <a:t>2/21/2019</a:t>
             </a:fld>
             <a:endParaRPr lang="en-US"/>
           </a:p>
@@ -2347,7 +2347,7 @@
           <a:p>
             <a:fld id="{3F95A33F-0BE4-4972-96C4-351B17A890F5}" type="datetimeFigureOut">
               <a:rPr lang="en-US" smtClean="0"/>
-              <a:t>1/28/2019</a:t>
+              <a:t>2/21/2019</a:t>
             </a:fld>
             <a:endParaRPr lang="en-US"/>
           </a:p>
@@ -2558,7 +2558,7 @@
           <a:p>
             <a:fld id="{3F95A33F-0BE4-4972-96C4-351B17A890F5}" type="datetimeFigureOut">
               <a:rPr lang="en-US" smtClean="0"/>
-              <a:t>1/28/2019</a:t>
+              <a:t>2/21/2019</a:t>
             </a:fld>
             <a:endParaRPr lang="en-US"/>
           </a:p>
@@ -6307,53 +6307,6 @@
       </p:sp>
       <p:sp>
         <p:nvSpPr>
-          <p:cNvPr id="11" name="Rectangle 10">
-            <a:extLst>
-              <a:ext uri="{FF2B5EF4-FFF2-40B4-BE49-F238E27FC236}">
-                <a16:creationId xmlns:a16="http://schemas.microsoft.com/office/drawing/2014/main" id="{C7FF2387-9D28-4BCA-9A73-D405644BC1C1}"/>
-              </a:ext>
-            </a:extLst>
-          </p:cNvPr>
-          <p:cNvSpPr/>
-          <p:nvPr/>
-        </p:nvSpPr>
-        <p:spPr>
-          <a:xfrm>
-            <a:off x="5631870" y="1200724"/>
-            <a:ext cx="1590966" cy="375213"/>
-          </a:xfrm>
-          <a:prstGeom prst="rect">
-            <a:avLst/>
-          </a:prstGeom>
-        </p:spPr>
-        <p:style>
-          <a:lnRef idx="2">
-            <a:schemeClr val="accent6"/>
-          </a:lnRef>
-          <a:fillRef idx="1">
-            <a:schemeClr val="lt1"/>
-          </a:fillRef>
-          <a:effectRef idx="0">
-            <a:schemeClr val="accent6"/>
-          </a:effectRef>
-          <a:fontRef idx="minor">
-            <a:schemeClr val="dk1"/>
-          </a:fontRef>
-        </p:style>
-        <p:txBody>
-          <a:bodyPr rtlCol="0" anchor="ctr"/>
-          <a:lstStyle/>
-          <a:p>
-            <a:pPr algn="ctr"/>
-            <a:r>
-              <a:rPr lang="en-US" sz="1400"/>
-              <a:t>Provider ID</a:t>
-            </a:r>
-          </a:p>
-        </p:txBody>
-      </p:sp>
-      <p:sp>
-        <p:nvSpPr>
           <p:cNvPr id="12" name="Rectangle 11">
             <a:extLst>
               <a:ext uri="{FF2B5EF4-FFF2-40B4-BE49-F238E27FC236}">
@@ -6619,50 +6572,6 @@
           </a:effectRef>
           <a:fontRef idx="minor">
             <a:schemeClr val="lt1"/>
-          </a:fontRef>
-        </p:style>
-        <p:txBody>
-          <a:bodyPr rtlCol="0" anchor="ctr"/>
-          <a:lstStyle/>
-          <a:p>
-            <a:pPr algn="ctr"/>
-            <a:endParaRPr lang="en-US"/>
-          </a:p>
-        </p:txBody>
-      </p:sp>
-      <p:sp>
-        <p:nvSpPr>
-          <p:cNvPr id="18" name="Rectangle 17">
-            <a:extLst>
-              <a:ext uri="{FF2B5EF4-FFF2-40B4-BE49-F238E27FC236}">
-                <a16:creationId xmlns:a16="http://schemas.microsoft.com/office/drawing/2014/main" id="{CC900875-9094-414F-800C-ED9618E8058F}"/>
-              </a:ext>
-            </a:extLst>
-          </p:cNvPr>
-          <p:cNvSpPr/>
-          <p:nvPr/>
-        </p:nvSpPr>
-        <p:spPr>
-          <a:xfrm>
-            <a:off x="7659256" y="1200725"/>
-            <a:ext cx="1856600" cy="347506"/>
-          </a:xfrm>
-          <a:prstGeom prst="rect">
-            <a:avLst/>
-          </a:prstGeom>
-        </p:spPr>
-        <p:style>
-          <a:lnRef idx="1">
-            <a:schemeClr val="accent3"/>
-          </a:lnRef>
-          <a:fillRef idx="2">
-            <a:schemeClr val="accent3"/>
-          </a:fillRef>
-          <a:effectRef idx="1">
-            <a:schemeClr val="accent3"/>
-          </a:effectRef>
-          <a:fontRef idx="minor">
-            <a:schemeClr val="dk1"/>
           </a:fontRef>
         </p:style>
         <p:txBody>
@@ -9663,6 +9572,97 @@
           </a:p>
         </p:txBody>
       </p:sp>
+      <p:sp>
+        <p:nvSpPr>
+          <p:cNvPr id="76" name="Rectangle 75">
+            <a:extLst>
+              <a:ext uri="{FF2B5EF4-FFF2-40B4-BE49-F238E27FC236}">
+                <a16:creationId xmlns:a16="http://schemas.microsoft.com/office/drawing/2014/main" id="{0690EC9D-D718-4CEA-999B-0D6FFA9A55CE}"/>
+              </a:ext>
+            </a:extLst>
+          </p:cNvPr>
+          <p:cNvSpPr/>
+          <p:nvPr/>
+        </p:nvSpPr>
+        <p:spPr>
+          <a:xfrm>
+            <a:off x="5643413" y="1163943"/>
+            <a:ext cx="1590968" cy="375213"/>
+          </a:xfrm>
+          <a:prstGeom prst="rect">
+            <a:avLst/>
+          </a:prstGeom>
+        </p:spPr>
+        <p:style>
+          <a:lnRef idx="2">
+            <a:schemeClr val="accent6"/>
+          </a:lnRef>
+          <a:fillRef idx="1">
+            <a:schemeClr val="lt1"/>
+          </a:fillRef>
+          <a:effectRef idx="0">
+            <a:schemeClr val="accent6"/>
+          </a:effectRef>
+          <a:fontRef idx="minor">
+            <a:schemeClr val="dk1"/>
+          </a:fontRef>
+        </p:style>
+        <p:txBody>
+          <a:bodyPr rtlCol="0" anchor="ctr"/>
+          <a:lstStyle/>
+          <a:p>
+            <a:pPr algn="ctr"/>
+            <a:r>
+              <a:rPr lang="en-US" sz="1400"/>
+              <a:t>Provider ID</a:t>
+            </a:r>
+          </a:p>
+        </p:txBody>
+      </p:sp>
+      <p:sp>
+        <p:nvSpPr>
+          <p:cNvPr id="77" name="Rectangle 76">
+            <a:extLst>
+              <a:ext uri="{FF2B5EF4-FFF2-40B4-BE49-F238E27FC236}">
+                <a16:creationId xmlns:a16="http://schemas.microsoft.com/office/drawing/2014/main" id="{933B76A8-35FB-4CBC-9D02-E40CE4B5D81B}"/>
+              </a:ext>
+            </a:extLst>
+          </p:cNvPr>
+          <p:cNvSpPr/>
+          <p:nvPr/>
+        </p:nvSpPr>
+        <p:spPr>
+          <a:xfrm>
+            <a:off x="7670801" y="1167527"/>
+            <a:ext cx="1847190" cy="359210"/>
+          </a:xfrm>
+          <a:prstGeom prst="rect">
+            <a:avLst/>
+          </a:prstGeom>
+        </p:spPr>
+        <p:style>
+          <a:lnRef idx="1">
+            <a:schemeClr val="accent3"/>
+          </a:lnRef>
+          <a:fillRef idx="2">
+            <a:schemeClr val="accent3"/>
+          </a:fillRef>
+          <a:effectRef idx="1">
+            <a:schemeClr val="accent3"/>
+          </a:effectRef>
+          <a:fontRef idx="minor">
+            <a:schemeClr val="dk1"/>
+          </a:fontRef>
+        </p:style>
+        <p:txBody>
+          <a:bodyPr rtlCol="0" anchor="ctr"/>
+          <a:lstStyle/>
+          <a:p>
+            <a:pPr algn="ctr"/>
+            <a:endParaRPr lang="en-US"/>
+          </a:p>
+        </p:txBody>
+      </p:sp>
     </p:spTree>
     <p:extLst>
       <p:ext uri="{BB962C8B-B14F-4D97-AF65-F5344CB8AC3E}">
